--- a/module03/presentationThree.pptx
+++ b/module03/presentationThree.pptx
@@ -5,13 +5,28 @@
     <p:sldMasterId id="2147483660" r:id="rId1"/>
   </p:sldMasterIdLst>
   <p:notesMasterIdLst>
-    <p:notesMasterId r:id="rId6"/>
+    <p:notesMasterId r:id="rId21"/>
   </p:notesMasterIdLst>
   <p:sldIdLst>
     <p:sldId id="256" r:id="rId2"/>
     <p:sldId id="297" r:id="rId3"/>
     <p:sldId id="346" r:id="rId4"/>
-    <p:sldId id="306" r:id="rId5"/>
+    <p:sldId id="347" r:id="rId5"/>
+    <p:sldId id="348" r:id="rId6"/>
+    <p:sldId id="349" r:id="rId7"/>
+    <p:sldId id="350" r:id="rId8"/>
+    <p:sldId id="351" r:id="rId9"/>
+    <p:sldId id="352" r:id="rId10"/>
+    <p:sldId id="353" r:id="rId11"/>
+    <p:sldId id="354" r:id="rId12"/>
+    <p:sldId id="355" r:id="rId13"/>
+    <p:sldId id="356" r:id="rId14"/>
+    <p:sldId id="357" r:id="rId15"/>
+    <p:sldId id="358" r:id="rId16"/>
+    <p:sldId id="359" r:id="rId17"/>
+    <p:sldId id="360" r:id="rId18"/>
+    <p:sldId id="361" r:id="rId19"/>
+    <p:sldId id="306" r:id="rId20"/>
   </p:sldIdLst>
   <p:sldSz cx="12192000" cy="6858000"/>
   <p:notesSz cx="6858000" cy="9144000"/>
@@ -200,7 +215,7 @@
           <a:p>
             <a:fld id="{6179CBFF-A326-C244-958E-7ECDE9614BF7}" type="datetimeFigureOut">
               <a:rPr lang="en-US" smtClean="0"/>
-              <a:t>9/16/19</a:t>
+              <a:t>9/17/19</a:t>
             </a:fld>
             <a:endParaRPr lang="en-US"/>
           </a:p>
@@ -789,7 +804,7 @@
           <a:p>
             <a:fld id="{ED291B17-9318-49DB-B28B-6E5994AE9581}" type="datetime1">
               <a:rPr lang="en-US" smtClean="0"/>
-              <a:t>9/16/19</a:t>
+              <a:t>9/17/19</a:t>
             </a:fld>
             <a:endParaRPr lang="en-US" dirty="0"/>
           </a:p>
@@ -992,7 +1007,7 @@
           <a:p>
             <a:fld id="{2CED4963-E985-44C4-B8C4-FDD613B7C2F8}" type="datetime1">
               <a:rPr lang="en-US" smtClean="0"/>
-              <a:t>9/16/19</a:t>
+              <a:t>9/17/19</a:t>
             </a:fld>
             <a:endParaRPr lang="en-US" dirty="0"/>
           </a:p>
@@ -1354,7 +1369,7 @@
           <a:p>
             <a:fld id="{ED291B17-9318-49DB-B28B-6E5994AE9581}" type="datetime1">
               <a:rPr lang="en-US" smtClean="0"/>
-              <a:t>9/16/19</a:t>
+              <a:t>9/17/19</a:t>
             </a:fld>
             <a:endParaRPr lang="en-US" dirty="0"/>
           </a:p>
@@ -1552,7 +1567,7 @@
           <a:p>
             <a:fld id="{78DD82B9-B8EE-4375-B6FF-88FA6ABB15D9}" type="datetime1">
               <a:rPr lang="en-US" smtClean="0"/>
-              <a:t>9/16/19</a:t>
+              <a:t>9/17/19</a:t>
             </a:fld>
             <a:endParaRPr lang="en-US" dirty="0"/>
           </a:p>
@@ -1864,7 +1879,7 @@
           <a:p>
             <a:fld id="{B2497495-0637-405E-AE64-5CC7506D51F5}" type="datetime1">
               <a:rPr lang="en-US" smtClean="0"/>
-              <a:t>9/16/19</a:t>
+              <a:t>9/17/19</a:t>
             </a:fld>
             <a:endParaRPr lang="en-US" dirty="0"/>
           </a:p>
@@ -2117,7 +2132,7 @@
           <a:p>
             <a:fld id="{7BFFD690-9426-415D-8B65-26881E07B2D4}" type="datetime1">
               <a:rPr lang="en-US" smtClean="0"/>
-              <a:t>9/16/19</a:t>
+              <a:t>9/17/19</a:t>
             </a:fld>
             <a:endParaRPr lang="en-US" dirty="0"/>
           </a:p>
@@ -2539,7 +2554,7 @@
           <a:p>
             <a:fld id="{04C4989A-474C-40DE-95B9-011C28B71673}" type="datetime1">
               <a:rPr lang="en-US" smtClean="0"/>
-              <a:t>9/16/19</a:t>
+              <a:t>9/17/19</a:t>
             </a:fld>
             <a:endParaRPr lang="en-US" dirty="0"/>
           </a:p>
@@ -2662,7 +2677,7 @@
           <a:p>
             <a:fld id="{5DB4ED54-5B5E-4A04-93D3-5772E3CE3818}" type="datetime1">
               <a:rPr lang="en-US" smtClean="0"/>
-              <a:t>9/16/19</a:t>
+              <a:t>9/17/19</a:t>
             </a:fld>
             <a:endParaRPr lang="en-US" dirty="0"/>
           </a:p>
@@ -2757,7 +2772,7 @@
           <a:p>
             <a:fld id="{4EDE50D6-574B-40AF-946F-D52A04ADE379}" type="datetime1">
               <a:rPr lang="en-US" smtClean="0"/>
-              <a:t>9/16/19</a:t>
+              <a:t>9/17/19</a:t>
             </a:fld>
             <a:endParaRPr lang="en-US" dirty="0"/>
           </a:p>
@@ -3134,7 +3149,7 @@
           <a:p>
             <a:fld id="{D82884F1-FFEA-405F-9602-3DCA865EDA4E}" type="datetime1">
               <a:rPr lang="en-US" smtClean="0"/>
-              <a:t>9/16/19</a:t>
+              <a:t>9/17/19</a:t>
             </a:fld>
             <a:endParaRPr lang="en-US" dirty="0"/>
           </a:p>
@@ -3427,7 +3442,7 @@
           <a:p>
             <a:fld id="{7E18DB4A-8810-4A10-AD5C-D5E2C667F5B3}" type="datetime1">
               <a:rPr lang="en-US" smtClean="0"/>
-              <a:t>9/16/19</a:t>
+              <a:t>9/17/19</a:t>
             </a:fld>
             <a:endParaRPr lang="en-US" dirty="0"/>
           </a:p>
@@ -3642,7 +3657,7 @@
           <a:p>
             <a:fld id="{ED291B17-9318-49DB-B28B-6E5994AE9581}" type="datetime1">
               <a:rPr lang="en-US" smtClean="0"/>
-              <a:t>9/16/19</a:t>
+              <a:t>9/17/19</a:t>
             </a:fld>
             <a:endParaRPr lang="en-US" dirty="0"/>
           </a:p>
@@ -4565,6 +4580,1765 @@
 </p:sld>
 </file>
 
+<file path=ppt/slides/slide10.xml><?xml version="1.0" encoding="utf-8"?>
+<p:sld xmlns:a="http://schemas.openxmlformats.org/drawingml/2006/main" xmlns:r="http://schemas.openxmlformats.org/officeDocument/2006/relationships" xmlns:p="http://schemas.openxmlformats.org/presentationml/2006/main">
+  <p:cSld>
+    <p:spTree>
+      <p:nvGrpSpPr>
+        <p:cNvPr id="1" name=""/>
+        <p:cNvGrpSpPr/>
+        <p:nvPr/>
+      </p:nvGrpSpPr>
+      <p:grpSpPr>
+        <a:xfrm>
+          <a:off x="0" y="0"/>
+          <a:ext cx="0" cy="0"/>
+          <a:chOff x="0" y="0"/>
+          <a:chExt cx="0" cy="0"/>
+        </a:xfrm>
+      </p:grpSpPr>
+      <p:sp>
+        <p:nvSpPr>
+          <p:cNvPr id="2" name="Title 1">
+            <a:extLst>
+              <a:ext uri="{FF2B5EF4-FFF2-40B4-BE49-F238E27FC236}">
+                <a16:creationId xmlns:a16="http://schemas.microsoft.com/office/drawing/2014/main" id="{23D61616-18A6-DF4F-824E-644730E3EEE0}"/>
+              </a:ext>
+            </a:extLst>
+          </p:cNvPr>
+          <p:cNvSpPr>
+            <a:spLocks noGrp="1"/>
+          </p:cNvSpPr>
+          <p:nvPr>
+            <p:ph type="title"/>
+          </p:nvPr>
+        </p:nvSpPr>
+        <p:spPr/>
+        <p:txBody>
+          <a:bodyPr>
+            <a:normAutofit/>
+          </a:bodyPr>
+          <a:lstStyle/>
+          <a:p>
+            <a:pPr algn="ctr"/>
+            <a:r>
+              <a:rPr lang="en-US" sz="3600" b="1" dirty="0"/>
+              <a:t>managing cloud providers</a:t>
+            </a:r>
+          </a:p>
+        </p:txBody>
+      </p:sp>
+      <p:pic>
+        <p:nvPicPr>
+          <p:cNvPr id="4" name="Picture 3">
+            <a:extLst>
+              <a:ext uri="{FF2B5EF4-FFF2-40B4-BE49-F238E27FC236}">
+                <a16:creationId xmlns:a16="http://schemas.microsoft.com/office/drawing/2014/main" id="{DD98D148-748A-2543-AE21-6E4C249E9EDE}"/>
+              </a:ext>
+            </a:extLst>
+          </p:cNvPr>
+          <p:cNvPicPr>
+            <a:picLocks noChangeAspect="1"/>
+          </p:cNvPicPr>
+          <p:nvPr/>
+        </p:nvPicPr>
+        <p:blipFill>
+          <a:blip r:embed="rId2"/>
+          <a:stretch>
+            <a:fillRect/>
+          </a:stretch>
+        </p:blipFill>
+        <p:spPr>
+          <a:xfrm>
+            <a:off x="2574596" y="2797065"/>
+            <a:ext cx="7684157" cy="2426576"/>
+          </a:xfrm>
+          <a:prstGeom prst="rect">
+            <a:avLst/>
+          </a:prstGeom>
+        </p:spPr>
+      </p:pic>
+    </p:spTree>
+    <p:extLst>
+      <p:ext uri="{BB962C8B-B14F-4D97-AF65-F5344CB8AC3E}">
+        <p14:creationId xmlns:p14="http://schemas.microsoft.com/office/powerpoint/2010/main" val="1932765102"/>
+      </p:ext>
+    </p:extLst>
+  </p:cSld>
+  <p:clrMapOvr>
+    <a:masterClrMapping/>
+  </p:clrMapOvr>
+</p:sld>
+</file>
+
+<file path=ppt/slides/slide11.xml><?xml version="1.0" encoding="utf-8"?>
+<p:sld xmlns:a="http://schemas.openxmlformats.org/drawingml/2006/main" xmlns:r="http://schemas.openxmlformats.org/officeDocument/2006/relationships" xmlns:p="http://schemas.openxmlformats.org/presentationml/2006/main">
+  <p:cSld>
+    <p:spTree>
+      <p:nvGrpSpPr>
+        <p:cNvPr id="1" name=""/>
+        <p:cNvGrpSpPr/>
+        <p:nvPr/>
+      </p:nvGrpSpPr>
+      <p:grpSpPr>
+        <a:xfrm>
+          <a:off x="0" y="0"/>
+          <a:ext cx="0" cy="0"/>
+          <a:chOff x="0" y="0"/>
+          <a:chExt cx="0" cy="0"/>
+        </a:xfrm>
+      </p:grpSpPr>
+      <p:sp>
+        <p:nvSpPr>
+          <p:cNvPr id="2" name="Title 1">
+            <a:extLst>
+              <a:ext uri="{FF2B5EF4-FFF2-40B4-BE49-F238E27FC236}">
+                <a16:creationId xmlns:a16="http://schemas.microsoft.com/office/drawing/2014/main" id="{8A96EC55-28CA-4746-BBFD-ADD9512CA48F}"/>
+              </a:ext>
+            </a:extLst>
+          </p:cNvPr>
+          <p:cNvSpPr>
+            <a:spLocks noGrp="1"/>
+          </p:cNvSpPr>
+          <p:nvPr>
+            <p:ph type="title"/>
+          </p:nvPr>
+        </p:nvSpPr>
+        <p:spPr/>
+        <p:txBody>
+          <a:bodyPr/>
+          <a:lstStyle/>
+          <a:p>
+            <a:r>
+              <a:rPr lang="en-US" b="1" dirty="0"/>
+              <a:t>Cloud providers</a:t>
+            </a:r>
+          </a:p>
+        </p:txBody>
+      </p:sp>
+      <p:sp>
+        <p:nvSpPr>
+          <p:cNvPr id="3" name="Content Placeholder 2">
+            <a:extLst>
+              <a:ext uri="{FF2B5EF4-FFF2-40B4-BE49-F238E27FC236}">
+                <a16:creationId xmlns:a16="http://schemas.microsoft.com/office/drawing/2014/main" id="{4A078CCA-FB4A-6D48-9483-93A5F0E72FED}"/>
+              </a:ext>
+            </a:extLst>
+          </p:cNvPr>
+          <p:cNvSpPr>
+            <a:spLocks noGrp="1"/>
+          </p:cNvSpPr>
+          <p:nvPr>
+            <p:ph idx="1"/>
+          </p:nvPr>
+        </p:nvSpPr>
+        <p:spPr>
+          <a:xfrm>
+            <a:off x="581192" y="2257040"/>
+            <a:ext cx="11029615" cy="4438050"/>
+          </a:xfrm>
+        </p:spPr>
+        <p:txBody>
+          <a:bodyPr>
+            <a:normAutofit/>
+          </a:bodyPr>
+          <a:lstStyle/>
+          <a:p>
+            <a:r>
+              <a:rPr lang="en-US" sz="2400" dirty="0"/>
+              <a:t>So- continuing on from our </a:t>
+            </a:r>
+            <a:r>
+              <a:rPr lang="en-US" sz="2400" b="1" dirty="0"/>
+              <a:t>snapshot images</a:t>
+            </a:r>
+            <a:r>
+              <a:rPr lang="en-US" sz="2400" dirty="0"/>
+              <a:t> discussions…one of the nicest things about most modern cloud providers is the ease with which we can pull </a:t>
+            </a:r>
+            <a:r>
+              <a:rPr lang="en-US" sz="2400" b="1" dirty="0"/>
+              <a:t>images</a:t>
+            </a:r>
+            <a:r>
+              <a:rPr lang="en-US" sz="2400" dirty="0"/>
+              <a:t> from our cloud provider servers. </a:t>
+            </a:r>
+          </a:p>
+          <a:p>
+            <a:r>
+              <a:rPr lang="en-US" sz="2400" dirty="0"/>
+              <a:t>Let’s use an example: </a:t>
+            </a:r>
+          </a:p>
+          <a:p>
+            <a:pPr lvl="1"/>
+            <a:r>
+              <a:rPr lang="en-US" sz="2200" dirty="0"/>
+              <a:t>Let’s say that you had an ec2 Ubuntu virtual machine running in AWS</a:t>
+            </a:r>
+          </a:p>
+          <a:p>
+            <a:pPr lvl="1"/>
+            <a:r>
+              <a:rPr lang="en-US" sz="2200" dirty="0"/>
+              <a:t>This is your </a:t>
+            </a:r>
+            <a:r>
+              <a:rPr lang="en-US" sz="2200" b="1" dirty="0"/>
+              <a:t>production server</a:t>
+            </a:r>
+            <a:r>
+              <a:rPr lang="en-US" sz="2200" dirty="0"/>
+              <a:t>. It’s running all of your code successfully at the moment.</a:t>
+            </a:r>
+          </a:p>
+          <a:p>
+            <a:pPr lvl="1"/>
+            <a:r>
+              <a:rPr lang="en-US" sz="2200" dirty="0"/>
+              <a:t>Remember your goal with Vagrant: </a:t>
+            </a:r>
+          </a:p>
+          <a:p>
+            <a:pPr lvl="2"/>
+            <a:r>
+              <a:rPr lang="en-US" sz="2000" i="1" dirty="0"/>
+              <a:t>Create a perfect copy of your production server on your local host</a:t>
+            </a:r>
+          </a:p>
+          <a:p>
+            <a:pPr lvl="1"/>
+            <a:r>
+              <a:rPr lang="en-US" sz="2200" dirty="0"/>
+              <a:t>Let’s go to AWS and see how to create a snapshot</a:t>
+            </a:r>
+          </a:p>
+          <a:p>
+            <a:pPr lvl="1"/>
+            <a:endParaRPr lang="en-US" sz="2200" dirty="0"/>
+          </a:p>
+        </p:txBody>
+      </p:sp>
+      <p:pic>
+        <p:nvPicPr>
+          <p:cNvPr id="5" name="Picture 4">
+            <a:extLst>
+              <a:ext uri="{FF2B5EF4-FFF2-40B4-BE49-F238E27FC236}">
+                <a16:creationId xmlns:a16="http://schemas.microsoft.com/office/drawing/2014/main" id="{4412A908-36CF-734D-B18C-CD2F50D505FC}"/>
+              </a:ext>
+            </a:extLst>
+          </p:cNvPr>
+          <p:cNvPicPr>
+            <a:picLocks noChangeAspect="1"/>
+          </p:cNvPicPr>
+          <p:nvPr/>
+        </p:nvPicPr>
+        <p:blipFill>
+          <a:blip r:embed="rId2"/>
+          <a:stretch>
+            <a:fillRect/>
+          </a:stretch>
+        </p:blipFill>
+        <p:spPr>
+          <a:xfrm>
+            <a:off x="5517931" y="607563"/>
+            <a:ext cx="1454352" cy="1554884"/>
+          </a:xfrm>
+          <a:prstGeom prst="rect">
+            <a:avLst/>
+          </a:prstGeom>
+        </p:spPr>
+      </p:pic>
+    </p:spTree>
+    <p:extLst>
+      <p:ext uri="{BB962C8B-B14F-4D97-AF65-F5344CB8AC3E}">
+        <p14:creationId xmlns:p14="http://schemas.microsoft.com/office/powerpoint/2010/main" val="2087037805"/>
+      </p:ext>
+    </p:extLst>
+  </p:cSld>
+  <p:clrMapOvr>
+    <a:masterClrMapping/>
+  </p:clrMapOvr>
+</p:sld>
+</file>
+
+<file path=ppt/slides/slide12.xml><?xml version="1.0" encoding="utf-8"?>
+<p:sld xmlns:a="http://schemas.openxmlformats.org/drawingml/2006/main" xmlns:r="http://schemas.openxmlformats.org/officeDocument/2006/relationships" xmlns:p="http://schemas.openxmlformats.org/presentationml/2006/main">
+  <p:cSld>
+    <p:spTree>
+      <p:nvGrpSpPr>
+        <p:cNvPr id="1" name=""/>
+        <p:cNvGrpSpPr/>
+        <p:nvPr/>
+      </p:nvGrpSpPr>
+      <p:grpSpPr>
+        <a:xfrm>
+          <a:off x="0" y="0"/>
+          <a:ext cx="0" cy="0"/>
+          <a:chOff x="0" y="0"/>
+          <a:chExt cx="0" cy="0"/>
+        </a:xfrm>
+      </p:grpSpPr>
+      <p:sp>
+        <p:nvSpPr>
+          <p:cNvPr id="2" name="Title 1">
+            <a:extLst>
+              <a:ext uri="{FF2B5EF4-FFF2-40B4-BE49-F238E27FC236}">
+                <a16:creationId xmlns:a16="http://schemas.microsoft.com/office/drawing/2014/main" id="{FACA066C-3B61-8948-AE2B-FD525E8572EC}"/>
+              </a:ext>
+            </a:extLst>
+          </p:cNvPr>
+          <p:cNvSpPr>
+            <a:spLocks noGrp="1"/>
+          </p:cNvSpPr>
+          <p:nvPr>
+            <p:ph type="title"/>
+          </p:nvPr>
+        </p:nvSpPr>
+        <p:spPr>
+          <a:xfrm>
+            <a:off x="581192" y="702156"/>
+            <a:ext cx="11029616" cy="727251"/>
+          </a:xfrm>
+        </p:spPr>
+        <p:txBody>
+          <a:bodyPr/>
+          <a:lstStyle/>
+          <a:p>
+            <a:r>
+              <a:rPr lang="en-US" dirty="0"/>
+              <a:t>Vagrant plugins</a:t>
+            </a:r>
+          </a:p>
+        </p:txBody>
+      </p:sp>
+      <p:sp>
+        <p:nvSpPr>
+          <p:cNvPr id="3" name="Content Placeholder 2">
+            <a:extLst>
+              <a:ext uri="{FF2B5EF4-FFF2-40B4-BE49-F238E27FC236}">
+                <a16:creationId xmlns:a16="http://schemas.microsoft.com/office/drawing/2014/main" id="{44CBBE74-D650-4C44-A9FF-E0AE00E5EEB5}"/>
+              </a:ext>
+            </a:extLst>
+          </p:cNvPr>
+          <p:cNvSpPr>
+            <a:spLocks noGrp="1"/>
+          </p:cNvSpPr>
+          <p:nvPr>
+            <p:ph idx="1"/>
+          </p:nvPr>
+        </p:nvSpPr>
+        <p:spPr>
+          <a:xfrm>
+            <a:off x="581193" y="2249214"/>
+            <a:ext cx="11029615" cy="4304205"/>
+          </a:xfrm>
+        </p:spPr>
+        <p:txBody>
+          <a:bodyPr>
+            <a:normAutofit/>
+          </a:bodyPr>
+          <a:lstStyle/>
+          <a:p>
+            <a:r>
+              <a:rPr lang="en-US" sz="2400" dirty="0"/>
+              <a:t>NOW- if we are using AWS for this we’ll need some more code to make it easier to use! </a:t>
+            </a:r>
+          </a:p>
+          <a:p>
+            <a:r>
+              <a:rPr lang="en-US" sz="2400" dirty="0"/>
+              <a:t>Let’s grab some of that code thanks to the nifty </a:t>
+            </a:r>
+            <a:r>
+              <a:rPr lang="en-US" sz="2400" b="1" dirty="0"/>
+              <a:t>vagrant plugin</a:t>
+            </a:r>
+            <a:r>
+              <a:rPr lang="en-US" sz="2400" dirty="0"/>
+              <a:t>.</a:t>
+            </a:r>
+          </a:p>
+          <a:p>
+            <a:r>
+              <a:rPr lang="en-US" sz="2400" dirty="0"/>
+              <a:t>In your vagrant directory type in </a:t>
+            </a:r>
+            <a:r>
+              <a:rPr lang="en-US" sz="2400" b="1" dirty="0">
+                <a:latin typeface="American Typewriter" panose="02090604020004020304" pitchFamily="18" charset="77"/>
+              </a:rPr>
+              <a:t>vagrant plugin install vagrant-</a:t>
+            </a:r>
+            <a:r>
+              <a:rPr lang="en-US" sz="2400" b="1" dirty="0" err="1">
+                <a:latin typeface="American Typewriter" panose="02090604020004020304" pitchFamily="18" charset="77"/>
+              </a:rPr>
+              <a:t>aws</a:t>
+            </a:r>
+            <a:endParaRPr lang="en-US" sz="2400" b="1" dirty="0">
+              <a:latin typeface="American Typewriter" panose="02090604020004020304" pitchFamily="18" charset="77"/>
+            </a:endParaRPr>
+          </a:p>
+          <a:p>
+            <a:r>
+              <a:rPr lang="en-US" sz="2400" dirty="0"/>
+              <a:t>This will install the </a:t>
+            </a:r>
+            <a:r>
+              <a:rPr lang="en-US" sz="2400" dirty="0" err="1"/>
+              <a:t>aws</a:t>
+            </a:r>
+            <a:r>
+              <a:rPr lang="en-US" sz="2400" dirty="0"/>
+              <a:t> plugin that will make Vagrant able to use AWS as a </a:t>
+            </a:r>
+            <a:r>
+              <a:rPr lang="en-US" sz="2400" b="1" dirty="0"/>
+              <a:t>provider</a:t>
+            </a:r>
+            <a:r>
+              <a:rPr lang="en-US" sz="2400" dirty="0"/>
+              <a:t> of virtual machines.</a:t>
+            </a:r>
+          </a:p>
+          <a:p>
+            <a:r>
+              <a:rPr lang="en-US" sz="2400" dirty="0"/>
+              <a:t>This allows seamless integration with your cloud provider (you can do the same thing with GCP)</a:t>
+            </a:r>
+          </a:p>
+        </p:txBody>
+      </p:sp>
+      <p:pic>
+        <p:nvPicPr>
+          <p:cNvPr id="4" name="Picture 3">
+            <a:extLst>
+              <a:ext uri="{FF2B5EF4-FFF2-40B4-BE49-F238E27FC236}">
+                <a16:creationId xmlns:a16="http://schemas.microsoft.com/office/drawing/2014/main" id="{80B5F002-9992-354B-94DB-71E9CE67244E}"/>
+              </a:ext>
+            </a:extLst>
+          </p:cNvPr>
+          <p:cNvPicPr>
+            <a:picLocks noChangeAspect="1"/>
+          </p:cNvPicPr>
+          <p:nvPr/>
+        </p:nvPicPr>
+        <p:blipFill>
+          <a:blip r:embed="rId2"/>
+          <a:stretch>
+            <a:fillRect/>
+          </a:stretch>
+        </p:blipFill>
+        <p:spPr>
+          <a:xfrm>
+            <a:off x="5062701" y="837544"/>
+            <a:ext cx="1632388" cy="1721834"/>
+          </a:xfrm>
+          <a:prstGeom prst="rect">
+            <a:avLst/>
+          </a:prstGeom>
+        </p:spPr>
+      </p:pic>
+    </p:spTree>
+    <p:extLst>
+      <p:ext uri="{BB962C8B-B14F-4D97-AF65-F5344CB8AC3E}">
+        <p14:creationId xmlns:p14="http://schemas.microsoft.com/office/powerpoint/2010/main" val="150093117"/>
+      </p:ext>
+    </p:extLst>
+  </p:cSld>
+  <p:clrMapOvr>
+    <a:masterClrMapping/>
+  </p:clrMapOvr>
+</p:sld>
+</file>
+
+<file path=ppt/slides/slide13.xml><?xml version="1.0" encoding="utf-8"?>
+<p:sld xmlns:a="http://schemas.openxmlformats.org/drawingml/2006/main" xmlns:r="http://schemas.openxmlformats.org/officeDocument/2006/relationships" xmlns:p="http://schemas.openxmlformats.org/presentationml/2006/main">
+  <p:cSld>
+    <p:spTree>
+      <p:nvGrpSpPr>
+        <p:cNvPr id="1" name=""/>
+        <p:cNvGrpSpPr/>
+        <p:nvPr/>
+      </p:nvGrpSpPr>
+      <p:grpSpPr>
+        <a:xfrm>
+          <a:off x="0" y="0"/>
+          <a:ext cx="0" cy="0"/>
+          <a:chOff x="0" y="0"/>
+          <a:chExt cx="0" cy="0"/>
+        </a:xfrm>
+      </p:grpSpPr>
+      <p:sp>
+        <p:nvSpPr>
+          <p:cNvPr id="2" name="Title 1">
+            <a:extLst>
+              <a:ext uri="{FF2B5EF4-FFF2-40B4-BE49-F238E27FC236}">
+                <a16:creationId xmlns:a16="http://schemas.microsoft.com/office/drawing/2014/main" id="{7E32B97A-DBBF-DB41-AB30-058ADF97DE7A}"/>
+              </a:ext>
+            </a:extLst>
+          </p:cNvPr>
+          <p:cNvSpPr>
+            <a:spLocks noGrp="1"/>
+          </p:cNvSpPr>
+          <p:nvPr>
+            <p:ph type="title"/>
+          </p:nvPr>
+        </p:nvSpPr>
+        <p:spPr/>
+        <p:txBody>
+          <a:bodyPr/>
+          <a:lstStyle/>
+          <a:p>
+            <a:r>
+              <a:rPr lang="en-US" dirty="0"/>
+              <a:t>More on vagrant plugins</a:t>
+            </a:r>
+          </a:p>
+        </p:txBody>
+      </p:sp>
+      <p:sp>
+        <p:nvSpPr>
+          <p:cNvPr id="3" name="Content Placeholder 2">
+            <a:extLst>
+              <a:ext uri="{FF2B5EF4-FFF2-40B4-BE49-F238E27FC236}">
+                <a16:creationId xmlns:a16="http://schemas.microsoft.com/office/drawing/2014/main" id="{E9F04359-E1B5-6048-94E7-22C26B0A912A}"/>
+              </a:ext>
+            </a:extLst>
+          </p:cNvPr>
+          <p:cNvSpPr>
+            <a:spLocks noGrp="1"/>
+          </p:cNvSpPr>
+          <p:nvPr>
+            <p:ph idx="1"/>
+          </p:nvPr>
+        </p:nvSpPr>
+        <p:spPr>
+          <a:xfrm>
+            <a:off x="581192" y="2340864"/>
+            <a:ext cx="11029615" cy="4312184"/>
+          </a:xfrm>
+        </p:spPr>
+        <p:txBody>
+          <a:bodyPr>
+            <a:normAutofit fontScale="92500" lnSpcReduction="20000"/>
+          </a:bodyPr>
+          <a:lstStyle/>
+          <a:p>
+            <a:r>
+              <a:rPr lang="en-US" sz="2800" dirty="0"/>
+              <a:t>So let’s say you want to see a list of </a:t>
+            </a:r>
+            <a:r>
+              <a:rPr lang="en-US" sz="2800" b="1" i="1" dirty="0"/>
+              <a:t>all available </a:t>
+            </a:r>
+            <a:r>
+              <a:rPr lang="en-US" sz="2800" dirty="0"/>
+              <a:t>plugins for your local vagrant machine</a:t>
+            </a:r>
+          </a:p>
+          <a:p>
+            <a:r>
+              <a:rPr lang="en-US" sz="2800" dirty="0"/>
+              <a:t>You can do that by typing </a:t>
+            </a:r>
+            <a:r>
+              <a:rPr lang="en-US" sz="2800" b="1" dirty="0">
+                <a:latin typeface="American Typewriter" panose="02090604020004020304" pitchFamily="18" charset="77"/>
+              </a:rPr>
+              <a:t>gem list --remote vagrant- </a:t>
+            </a:r>
+            <a:r>
+              <a:rPr lang="en-US" sz="2800" dirty="0"/>
+              <a:t>into the command line to browse your options</a:t>
+            </a:r>
+          </a:p>
+          <a:p>
+            <a:r>
+              <a:rPr lang="en-US" sz="2800" dirty="0"/>
+              <a:t>The advantage of utilizing these plugins is the ease with which you can update your </a:t>
+            </a:r>
+            <a:r>
+              <a:rPr lang="en-US" sz="2800" dirty="0" err="1"/>
+              <a:t>Vagrantfile</a:t>
+            </a:r>
+            <a:r>
+              <a:rPr lang="en-US" sz="2800" dirty="0"/>
+              <a:t> to seamlessly integrate with different cloud providers…including:</a:t>
+            </a:r>
+          </a:p>
+          <a:p>
+            <a:pPr lvl="1"/>
+            <a:r>
+              <a:rPr lang="en-US" sz="2400" dirty="0"/>
+              <a:t>vagrant-azure</a:t>
+            </a:r>
+          </a:p>
+          <a:p>
+            <a:pPr lvl="1"/>
+            <a:r>
+              <a:rPr lang="en-US" sz="2400" dirty="0"/>
+              <a:t>vagrant-google</a:t>
+            </a:r>
+          </a:p>
+          <a:p>
+            <a:pPr lvl="1"/>
+            <a:r>
+              <a:rPr lang="en-US" sz="2400" dirty="0"/>
+              <a:t>vagrant-</a:t>
+            </a:r>
+            <a:r>
+              <a:rPr lang="en-US" sz="2400" dirty="0" err="1"/>
+              <a:t>cloudstack</a:t>
+            </a:r>
+            <a:endParaRPr lang="en-US" sz="2400" dirty="0"/>
+          </a:p>
+          <a:p>
+            <a:pPr lvl="1"/>
+            <a:r>
+              <a:rPr lang="en-US" sz="2400" dirty="0"/>
+              <a:t>vagrant-</a:t>
+            </a:r>
+            <a:r>
+              <a:rPr lang="en-US" sz="2400" dirty="0" err="1"/>
+              <a:t>brightbox</a:t>
+            </a:r>
+            <a:endParaRPr lang="en-US" sz="2400" dirty="0"/>
+          </a:p>
+        </p:txBody>
+      </p:sp>
+      <p:pic>
+        <p:nvPicPr>
+          <p:cNvPr id="4" name="Picture 3">
+            <a:extLst>
+              <a:ext uri="{FF2B5EF4-FFF2-40B4-BE49-F238E27FC236}">
+                <a16:creationId xmlns:a16="http://schemas.microsoft.com/office/drawing/2014/main" id="{8A6E199C-B2D8-B649-AFD1-7291185DA3A0}"/>
+              </a:ext>
+            </a:extLst>
+          </p:cNvPr>
+          <p:cNvPicPr>
+            <a:picLocks noChangeAspect="1"/>
+          </p:cNvPicPr>
+          <p:nvPr/>
+        </p:nvPicPr>
+        <p:blipFill>
+          <a:blip r:embed="rId2"/>
+          <a:stretch>
+            <a:fillRect/>
+          </a:stretch>
+        </p:blipFill>
+        <p:spPr>
+          <a:xfrm>
+            <a:off x="6317593" y="702156"/>
+            <a:ext cx="2963041" cy="1490897"/>
+          </a:xfrm>
+          <a:prstGeom prst="rect">
+            <a:avLst/>
+          </a:prstGeom>
+        </p:spPr>
+      </p:pic>
+    </p:spTree>
+    <p:extLst>
+      <p:ext uri="{BB962C8B-B14F-4D97-AF65-F5344CB8AC3E}">
+        <p14:creationId xmlns:p14="http://schemas.microsoft.com/office/powerpoint/2010/main" val="1406161294"/>
+      </p:ext>
+    </p:extLst>
+  </p:cSld>
+  <p:clrMapOvr>
+    <a:masterClrMapping/>
+  </p:clrMapOvr>
+</p:sld>
+</file>
+
+<file path=ppt/slides/slide14.xml><?xml version="1.0" encoding="utf-8"?>
+<p:sld xmlns:a="http://schemas.openxmlformats.org/drawingml/2006/main" xmlns:r="http://schemas.openxmlformats.org/officeDocument/2006/relationships" xmlns:p="http://schemas.openxmlformats.org/presentationml/2006/main">
+  <p:cSld>
+    <p:spTree>
+      <p:nvGrpSpPr>
+        <p:cNvPr id="1" name=""/>
+        <p:cNvGrpSpPr/>
+        <p:nvPr/>
+      </p:nvGrpSpPr>
+      <p:grpSpPr>
+        <a:xfrm>
+          <a:off x="0" y="0"/>
+          <a:ext cx="0" cy="0"/>
+          <a:chOff x="0" y="0"/>
+          <a:chExt cx="0" cy="0"/>
+        </a:xfrm>
+      </p:grpSpPr>
+      <p:sp>
+        <p:nvSpPr>
+          <p:cNvPr id="2" name="Title 1">
+            <a:extLst>
+              <a:ext uri="{FF2B5EF4-FFF2-40B4-BE49-F238E27FC236}">
+                <a16:creationId xmlns:a16="http://schemas.microsoft.com/office/drawing/2014/main" id="{B8755FF0-8CED-DB43-9DB9-54CC1424071C}"/>
+              </a:ext>
+            </a:extLst>
+          </p:cNvPr>
+          <p:cNvSpPr>
+            <a:spLocks noGrp="1"/>
+          </p:cNvSpPr>
+          <p:nvPr>
+            <p:ph type="title"/>
+          </p:nvPr>
+        </p:nvSpPr>
+        <p:spPr/>
+        <p:txBody>
+          <a:bodyPr/>
+          <a:lstStyle/>
+          <a:p>
+            <a:r>
+              <a:rPr lang="en-US" dirty="0"/>
+              <a:t>AWS Plugin</a:t>
+            </a:r>
+          </a:p>
+        </p:txBody>
+      </p:sp>
+      <p:sp>
+        <p:nvSpPr>
+          <p:cNvPr id="3" name="Content Placeholder 2">
+            <a:extLst>
+              <a:ext uri="{FF2B5EF4-FFF2-40B4-BE49-F238E27FC236}">
+                <a16:creationId xmlns:a16="http://schemas.microsoft.com/office/drawing/2014/main" id="{8229A4D9-1F4D-DE41-A41C-CC133418D143}"/>
+              </a:ext>
+            </a:extLst>
+          </p:cNvPr>
+          <p:cNvSpPr>
+            <a:spLocks noGrp="1"/>
+          </p:cNvSpPr>
+          <p:nvPr>
+            <p:ph idx="1"/>
+          </p:nvPr>
+        </p:nvSpPr>
+        <p:spPr>
+          <a:xfrm>
+            <a:off x="581192" y="2340863"/>
+            <a:ext cx="11029615" cy="4091467"/>
+          </a:xfrm>
+        </p:spPr>
+        <p:txBody>
+          <a:bodyPr>
+            <a:normAutofit fontScale="92500" lnSpcReduction="10000"/>
+          </a:bodyPr>
+          <a:lstStyle/>
+          <a:p>
+            <a:r>
+              <a:rPr lang="en-US" sz="2800" dirty="0"/>
+              <a:t>For ease of use we’re going to use an AWS plugin here just to demonstrate how you can seamlessly integrate Vagrant into your AWS process flow.</a:t>
+            </a:r>
+          </a:p>
+          <a:p>
+            <a:r>
+              <a:rPr lang="en-US" sz="2800" dirty="0"/>
+              <a:t>SO- with the AWS plugin the idea is that we can create AWS EC2 images from your local command line</a:t>
+            </a:r>
+          </a:p>
+          <a:p>
+            <a:r>
+              <a:rPr lang="en-US" sz="2800" dirty="0"/>
+              <a:t>This means that you can use your </a:t>
+            </a:r>
+            <a:r>
+              <a:rPr lang="en-US" sz="2800" dirty="0" err="1"/>
+              <a:t>Vagrantfile</a:t>
+            </a:r>
+            <a:r>
+              <a:rPr lang="en-US" sz="2800" dirty="0"/>
+              <a:t> to create an image </a:t>
+            </a:r>
+            <a:r>
+              <a:rPr lang="en-US" sz="2800" b="1" dirty="0"/>
+              <a:t>in </a:t>
+            </a:r>
+            <a:r>
+              <a:rPr lang="en-US" sz="2800" b="1" dirty="0" err="1"/>
+              <a:t>aws</a:t>
+            </a:r>
+            <a:r>
+              <a:rPr lang="en-US" sz="2800" dirty="0"/>
+              <a:t> and then </a:t>
+            </a:r>
+            <a:r>
+              <a:rPr lang="en-US" sz="2800" dirty="0" err="1"/>
+              <a:t>ssh</a:t>
+            </a:r>
+            <a:r>
+              <a:rPr lang="en-US" sz="2800" dirty="0"/>
+              <a:t> into it from your command line and make any necessary changes</a:t>
+            </a:r>
+          </a:p>
+          <a:p>
+            <a:r>
+              <a:rPr lang="en-US" sz="2800" dirty="0"/>
+              <a:t>This means that all you would have to do to create a dev environment is create an ec2 image in a different region from where you have your production server then change regions when you are ready to deploy!</a:t>
+            </a:r>
+          </a:p>
+        </p:txBody>
+      </p:sp>
+      <p:pic>
+        <p:nvPicPr>
+          <p:cNvPr id="4" name="Picture 3">
+            <a:extLst>
+              <a:ext uri="{FF2B5EF4-FFF2-40B4-BE49-F238E27FC236}">
+                <a16:creationId xmlns:a16="http://schemas.microsoft.com/office/drawing/2014/main" id="{CB82AAB9-51CC-E045-8694-E3CBA4BD8FAC}"/>
+              </a:ext>
+            </a:extLst>
+          </p:cNvPr>
+          <p:cNvPicPr>
+            <a:picLocks noChangeAspect="1"/>
+          </p:cNvPicPr>
+          <p:nvPr/>
+        </p:nvPicPr>
+        <p:blipFill>
+          <a:blip r:embed="rId2"/>
+          <a:stretch>
+            <a:fillRect/>
+          </a:stretch>
+        </p:blipFill>
+        <p:spPr>
+          <a:xfrm>
+            <a:off x="4343399" y="702156"/>
+            <a:ext cx="2234516" cy="1473485"/>
+          </a:xfrm>
+          <a:prstGeom prst="rect">
+            <a:avLst/>
+          </a:prstGeom>
+        </p:spPr>
+      </p:pic>
+    </p:spTree>
+    <p:extLst>
+      <p:ext uri="{BB962C8B-B14F-4D97-AF65-F5344CB8AC3E}">
+        <p14:creationId xmlns:p14="http://schemas.microsoft.com/office/powerpoint/2010/main" val="3361089260"/>
+      </p:ext>
+    </p:extLst>
+  </p:cSld>
+  <p:clrMapOvr>
+    <a:masterClrMapping/>
+  </p:clrMapOvr>
+</p:sld>
+</file>
+
+<file path=ppt/slides/slide15.xml><?xml version="1.0" encoding="utf-8"?>
+<p:sld xmlns:a="http://schemas.openxmlformats.org/drawingml/2006/main" xmlns:r="http://schemas.openxmlformats.org/officeDocument/2006/relationships" xmlns:p="http://schemas.openxmlformats.org/presentationml/2006/main">
+  <p:cSld>
+    <p:spTree>
+      <p:nvGrpSpPr>
+        <p:cNvPr id="1" name=""/>
+        <p:cNvGrpSpPr/>
+        <p:nvPr/>
+      </p:nvGrpSpPr>
+      <p:grpSpPr>
+        <a:xfrm>
+          <a:off x="0" y="0"/>
+          <a:ext cx="0" cy="0"/>
+          <a:chOff x="0" y="0"/>
+          <a:chExt cx="0" cy="0"/>
+        </a:xfrm>
+      </p:grpSpPr>
+      <p:sp>
+        <p:nvSpPr>
+          <p:cNvPr id="2" name="Title 1">
+            <a:extLst>
+              <a:ext uri="{FF2B5EF4-FFF2-40B4-BE49-F238E27FC236}">
+                <a16:creationId xmlns:a16="http://schemas.microsoft.com/office/drawing/2014/main" id="{D2E7755B-998E-C244-87EB-7457DC6B7DD8}"/>
+              </a:ext>
+            </a:extLst>
+          </p:cNvPr>
+          <p:cNvSpPr>
+            <a:spLocks noGrp="1"/>
+          </p:cNvSpPr>
+          <p:nvPr>
+            <p:ph type="title"/>
+          </p:nvPr>
+        </p:nvSpPr>
+        <p:spPr/>
+        <p:txBody>
+          <a:bodyPr/>
+          <a:lstStyle/>
+          <a:p>
+            <a:r>
+              <a:rPr lang="en-US" dirty="0"/>
+              <a:t>Demo here on creating an </a:t>
+            </a:r>
+            <a:r>
+              <a:rPr lang="en-US" dirty="0" err="1"/>
+              <a:t>aws</a:t>
+            </a:r>
+            <a:r>
+              <a:rPr lang="en-US" dirty="0"/>
+              <a:t> instance</a:t>
+            </a:r>
+          </a:p>
+        </p:txBody>
+      </p:sp>
+      <p:sp>
+        <p:nvSpPr>
+          <p:cNvPr id="3" name="Content Placeholder 2">
+            <a:extLst>
+              <a:ext uri="{FF2B5EF4-FFF2-40B4-BE49-F238E27FC236}">
+                <a16:creationId xmlns:a16="http://schemas.microsoft.com/office/drawing/2014/main" id="{79C2A558-1AFE-354A-8151-3095FA4A15C3}"/>
+              </a:ext>
+            </a:extLst>
+          </p:cNvPr>
+          <p:cNvSpPr>
+            <a:spLocks noGrp="1"/>
+          </p:cNvSpPr>
+          <p:nvPr>
+            <p:ph idx="1"/>
+          </p:nvPr>
+        </p:nvSpPr>
+        <p:spPr/>
+        <p:txBody>
+          <a:bodyPr>
+            <a:normAutofit/>
+          </a:bodyPr>
+          <a:lstStyle/>
+          <a:p>
+            <a:r>
+              <a:rPr lang="en-US" sz="2800" dirty="0"/>
+              <a:t>From my local machine I’m going to go ahead and create a virtual machine in AWS now just to demonstrate how Vagrant can be used to manage basic EC2 instances</a:t>
+            </a:r>
+          </a:p>
+        </p:txBody>
+      </p:sp>
+    </p:spTree>
+    <p:extLst>
+      <p:ext uri="{BB962C8B-B14F-4D97-AF65-F5344CB8AC3E}">
+        <p14:creationId xmlns:p14="http://schemas.microsoft.com/office/powerpoint/2010/main" val="644727104"/>
+      </p:ext>
+    </p:extLst>
+  </p:cSld>
+  <p:clrMapOvr>
+    <a:masterClrMapping/>
+  </p:clrMapOvr>
+</p:sld>
+</file>
+
+<file path=ppt/slides/slide16.xml><?xml version="1.0" encoding="utf-8"?>
+<p:sld xmlns:a="http://schemas.openxmlformats.org/drawingml/2006/main" xmlns:r="http://schemas.openxmlformats.org/officeDocument/2006/relationships" xmlns:p="http://schemas.openxmlformats.org/presentationml/2006/main">
+  <p:cSld>
+    <p:spTree>
+      <p:nvGrpSpPr>
+        <p:cNvPr id="1" name=""/>
+        <p:cNvGrpSpPr/>
+        <p:nvPr/>
+      </p:nvGrpSpPr>
+      <p:grpSpPr>
+        <a:xfrm>
+          <a:off x="0" y="0"/>
+          <a:ext cx="0" cy="0"/>
+          <a:chOff x="0" y="0"/>
+          <a:chExt cx="0" cy="0"/>
+        </a:xfrm>
+      </p:grpSpPr>
+      <p:sp>
+        <p:nvSpPr>
+          <p:cNvPr id="2" name="Title 1">
+            <a:extLst>
+              <a:ext uri="{FF2B5EF4-FFF2-40B4-BE49-F238E27FC236}">
+                <a16:creationId xmlns:a16="http://schemas.microsoft.com/office/drawing/2014/main" id="{6DF747D7-6D79-5241-BA6B-DF1D60DB4B8F}"/>
+              </a:ext>
+            </a:extLst>
+          </p:cNvPr>
+          <p:cNvSpPr>
+            <a:spLocks noGrp="1"/>
+          </p:cNvSpPr>
+          <p:nvPr>
+            <p:ph type="title"/>
+          </p:nvPr>
+        </p:nvSpPr>
+        <p:spPr/>
+        <p:txBody>
+          <a:bodyPr/>
+          <a:lstStyle/>
+          <a:p>
+            <a:r>
+              <a:rPr lang="en-US" dirty="0"/>
+              <a:t>Going over the </a:t>
+            </a:r>
+            <a:r>
+              <a:rPr lang="en-US" dirty="0" err="1"/>
+              <a:t>aws</a:t>
+            </a:r>
+            <a:r>
+              <a:rPr lang="en-US" dirty="0"/>
+              <a:t> requirements in </a:t>
+            </a:r>
+            <a:r>
+              <a:rPr lang="en-US" dirty="0" err="1"/>
+              <a:t>vagrantfile</a:t>
+            </a:r>
+            <a:endParaRPr lang="en-US" dirty="0"/>
+          </a:p>
+        </p:txBody>
+      </p:sp>
+      <p:sp>
+        <p:nvSpPr>
+          <p:cNvPr id="3" name="Content Placeholder 2">
+            <a:extLst>
+              <a:ext uri="{FF2B5EF4-FFF2-40B4-BE49-F238E27FC236}">
+                <a16:creationId xmlns:a16="http://schemas.microsoft.com/office/drawing/2014/main" id="{ECB49B24-70BB-0448-B3CF-0B11ED899287}"/>
+              </a:ext>
+            </a:extLst>
+          </p:cNvPr>
+          <p:cNvSpPr>
+            <a:spLocks noGrp="1"/>
+          </p:cNvSpPr>
+          <p:nvPr>
+            <p:ph idx="1"/>
+          </p:nvPr>
+        </p:nvSpPr>
+        <p:spPr>
+          <a:xfrm>
+            <a:off x="581192" y="2039007"/>
+            <a:ext cx="11029615" cy="4529959"/>
+          </a:xfrm>
+        </p:spPr>
+        <p:txBody>
+          <a:bodyPr>
+            <a:normAutofit lnSpcReduction="10000"/>
+          </a:bodyPr>
+          <a:lstStyle/>
+          <a:p>
+            <a:pPr marL="0" indent="0" fontAlgn="base">
+              <a:buNone/>
+            </a:pPr>
+            <a:r>
+              <a:rPr lang="en-US" sz="2800" b="1" dirty="0">
+                <a:latin typeface="American Typewriter" panose="02090604020004020304" pitchFamily="18" charset="77"/>
+              </a:rPr>
+              <a:t>require 'vagrant-</a:t>
+            </a:r>
+            <a:r>
+              <a:rPr lang="en-US" sz="2800" b="1" dirty="0" err="1">
+                <a:latin typeface="American Typewriter" panose="02090604020004020304" pitchFamily="18" charset="77"/>
+              </a:rPr>
+              <a:t>aws'</a:t>
+            </a:r>
+            <a:endParaRPr lang="en-US" sz="2800" b="1" dirty="0">
+              <a:latin typeface="American Typewriter" panose="02090604020004020304" pitchFamily="18" charset="77"/>
+            </a:endParaRPr>
+          </a:p>
+          <a:p>
+            <a:pPr marL="0" indent="0" fontAlgn="base">
+              <a:buNone/>
+            </a:pPr>
+            <a:r>
+              <a:rPr lang="en-US" sz="2800" b="1" dirty="0" err="1">
+                <a:latin typeface="American Typewriter" panose="02090604020004020304" pitchFamily="18" charset="77"/>
+              </a:rPr>
+              <a:t>Vagrant.configure</a:t>
+            </a:r>
+            <a:r>
+              <a:rPr lang="en-US" sz="2800" b="1" dirty="0">
+                <a:latin typeface="American Typewriter" panose="02090604020004020304" pitchFamily="18" charset="77"/>
+              </a:rPr>
+              <a:t>('2') do |config|</a:t>
+            </a:r>
+          </a:p>
+          <a:p>
+            <a:pPr marL="0" indent="0" fontAlgn="base">
+              <a:buNone/>
+            </a:pPr>
+            <a:r>
+              <a:rPr lang="en-US" sz="2800" b="1" dirty="0">
+                <a:latin typeface="American Typewriter" panose="02090604020004020304" pitchFamily="18" charset="77"/>
+              </a:rPr>
+              <a:t>    </a:t>
+            </a:r>
+            <a:r>
+              <a:rPr lang="en-US" sz="2800" b="1" dirty="0" err="1">
+                <a:latin typeface="American Typewriter" panose="02090604020004020304" pitchFamily="18" charset="77"/>
+              </a:rPr>
+              <a:t>config.vm.box</a:t>
+            </a:r>
+            <a:r>
+              <a:rPr lang="en-US" sz="2800" b="1" dirty="0">
+                <a:latin typeface="American Typewriter" panose="02090604020004020304" pitchFamily="18" charset="77"/>
+              </a:rPr>
+              <a:t> = 'dummy'</a:t>
+            </a:r>
+          </a:p>
+          <a:p>
+            <a:pPr marL="0" indent="0" fontAlgn="base">
+              <a:buNone/>
+            </a:pPr>
+            <a:r>
+              <a:rPr lang="en-US" sz="2800" b="1" dirty="0">
+                <a:latin typeface="American Typewriter" panose="02090604020004020304" pitchFamily="18" charset="77"/>
+              </a:rPr>
+              <a:t>    </a:t>
+            </a:r>
+            <a:r>
+              <a:rPr lang="en-US" sz="2800" b="1" dirty="0" err="1">
+                <a:latin typeface="American Typewriter" panose="02090604020004020304" pitchFamily="18" charset="77"/>
+              </a:rPr>
+              <a:t>config.vm.provider</a:t>
+            </a:r>
+            <a:r>
+              <a:rPr lang="en-US" sz="2800" b="1" dirty="0">
+                <a:latin typeface="American Typewriter" panose="02090604020004020304" pitchFamily="18" charset="77"/>
+              </a:rPr>
+              <a:t> '</a:t>
+            </a:r>
+            <a:r>
+              <a:rPr lang="en-US" sz="2800" b="1" dirty="0" err="1">
+                <a:latin typeface="American Typewriter" panose="02090604020004020304" pitchFamily="18" charset="77"/>
+              </a:rPr>
+              <a:t>aws</a:t>
+            </a:r>
+            <a:r>
+              <a:rPr lang="en-US" sz="2800" b="1" dirty="0">
+                <a:latin typeface="American Typewriter" panose="02090604020004020304" pitchFamily="18" charset="77"/>
+              </a:rPr>
+              <a:t>' do |</a:t>
+            </a:r>
+            <a:r>
+              <a:rPr lang="en-US" sz="2800" b="1" dirty="0" err="1">
+                <a:latin typeface="American Typewriter" panose="02090604020004020304" pitchFamily="18" charset="77"/>
+              </a:rPr>
+              <a:t>aws</a:t>
+            </a:r>
+            <a:r>
+              <a:rPr lang="en-US" sz="2800" b="1" dirty="0">
+                <a:latin typeface="American Typewriter" panose="02090604020004020304" pitchFamily="18" charset="77"/>
+              </a:rPr>
+              <a:t>, override|</a:t>
+            </a:r>
+          </a:p>
+          <a:p>
+            <a:pPr marL="0" indent="0" fontAlgn="base">
+              <a:buNone/>
+            </a:pPr>
+            <a:r>
+              <a:rPr lang="en-US" sz="2800" b="1" dirty="0">
+                <a:latin typeface="American Typewriter" panose="02090604020004020304" pitchFamily="18" charset="77"/>
+              </a:rPr>
+              <a:t>    </a:t>
+            </a:r>
+            <a:r>
+              <a:rPr lang="en-US" sz="2800" b="1" dirty="0" err="1">
+                <a:latin typeface="American Typewriter" panose="02090604020004020304" pitchFamily="18" charset="77"/>
+              </a:rPr>
+              <a:t>aws.access_key_id</a:t>
+            </a:r>
+            <a:r>
+              <a:rPr lang="en-US" sz="2800" b="1" dirty="0">
+                <a:latin typeface="American Typewriter" panose="02090604020004020304" pitchFamily="18" charset="77"/>
+              </a:rPr>
+              <a:t> = “</a:t>
+            </a:r>
+            <a:r>
+              <a:rPr lang="en-US" sz="2800" b="1" dirty="0" err="1">
+                <a:latin typeface="American Typewriter" panose="02090604020004020304" pitchFamily="18" charset="77"/>
+              </a:rPr>
+              <a:t>xxxxxxxxxxxxxxxxxxxxxxxxxxx</a:t>
+            </a:r>
+            <a:r>
+              <a:rPr lang="en-US" sz="2800" b="1" dirty="0">
+                <a:latin typeface="American Typewriter" panose="02090604020004020304" pitchFamily="18" charset="77"/>
+              </a:rPr>
+              <a:t>”</a:t>
+            </a:r>
+          </a:p>
+          <a:p>
+            <a:pPr marL="0" indent="0" fontAlgn="base">
+              <a:buNone/>
+            </a:pPr>
+            <a:r>
+              <a:rPr lang="en-US" sz="2800" b="1" dirty="0">
+                <a:latin typeface="American Typewriter" panose="02090604020004020304" pitchFamily="18" charset="77"/>
+              </a:rPr>
+              <a:t>    </a:t>
+            </a:r>
+            <a:r>
+              <a:rPr lang="en-US" sz="2800" b="1" dirty="0" err="1">
+                <a:latin typeface="American Typewriter" panose="02090604020004020304" pitchFamily="18" charset="77"/>
+              </a:rPr>
+              <a:t>aws.secret_access_key</a:t>
+            </a:r>
+            <a:r>
+              <a:rPr lang="en-US" sz="2800" b="1" dirty="0">
+                <a:latin typeface="American Typewriter" panose="02090604020004020304" pitchFamily="18" charset="77"/>
+              </a:rPr>
+              <a:t> = “</a:t>
+            </a:r>
+            <a:r>
+              <a:rPr lang="en-US" sz="2800" b="1" dirty="0" err="1">
+                <a:latin typeface="American Typewriter" panose="02090604020004020304" pitchFamily="18" charset="77"/>
+              </a:rPr>
+              <a:t>xxxxxxxxxxxxxxxxxxxxxxxxxx</a:t>
+            </a:r>
+            <a:r>
+              <a:rPr lang="en-US" sz="2800" b="1" dirty="0">
+                <a:latin typeface="American Typewriter" panose="02090604020004020304" pitchFamily="18" charset="77"/>
+              </a:rPr>
+              <a:t>”</a:t>
+            </a:r>
+          </a:p>
+          <a:p>
+            <a:pPr marL="0" indent="0" fontAlgn="base">
+              <a:buNone/>
+            </a:pPr>
+            <a:r>
+              <a:rPr lang="en-US" sz="2800" b="1" dirty="0">
+                <a:latin typeface="American Typewriter" panose="02090604020004020304" pitchFamily="18" charset="77"/>
+              </a:rPr>
+              <a:t>    </a:t>
+            </a:r>
+            <a:r>
+              <a:rPr lang="en-US" sz="2800" b="1" dirty="0" err="1">
+                <a:latin typeface="American Typewriter" panose="02090604020004020304" pitchFamily="18" charset="77"/>
+              </a:rPr>
+              <a:t>aws.keypair_name</a:t>
+            </a:r>
+            <a:r>
+              <a:rPr lang="en-US" sz="2800" b="1" dirty="0">
+                <a:latin typeface="American Typewriter" panose="02090604020004020304" pitchFamily="18" charset="77"/>
+              </a:rPr>
+              <a:t> = '</a:t>
+            </a:r>
+            <a:r>
+              <a:rPr lang="en-US" sz="2800" b="1" dirty="0" err="1">
+                <a:latin typeface="American Typewriter" panose="02090604020004020304" pitchFamily="18" charset="77"/>
+              </a:rPr>
+              <a:t>ssh</a:t>
+            </a:r>
+            <a:r>
+              <a:rPr lang="en-US" sz="2800" b="1" dirty="0">
+                <a:latin typeface="American Typewriter" panose="02090604020004020304" pitchFamily="18" charset="77"/>
+              </a:rPr>
+              <a:t>-keypair-name'</a:t>
+            </a:r>
+          </a:p>
+          <a:p>
+            <a:endParaRPr lang="en-US" dirty="0"/>
+          </a:p>
+        </p:txBody>
+      </p:sp>
+    </p:spTree>
+    <p:extLst>
+      <p:ext uri="{BB962C8B-B14F-4D97-AF65-F5344CB8AC3E}">
+        <p14:creationId xmlns:p14="http://schemas.microsoft.com/office/powerpoint/2010/main" val="204367838"/>
+      </p:ext>
+    </p:extLst>
+  </p:cSld>
+  <p:clrMapOvr>
+    <a:masterClrMapping/>
+  </p:clrMapOvr>
+</p:sld>
+</file>
+
+<file path=ppt/slides/slide17.xml><?xml version="1.0" encoding="utf-8"?>
+<p:sld xmlns:a="http://schemas.openxmlformats.org/drawingml/2006/main" xmlns:r="http://schemas.openxmlformats.org/officeDocument/2006/relationships" xmlns:p="http://schemas.openxmlformats.org/presentationml/2006/main">
+  <p:cSld>
+    <p:spTree>
+      <p:nvGrpSpPr>
+        <p:cNvPr id="1" name=""/>
+        <p:cNvGrpSpPr/>
+        <p:nvPr/>
+      </p:nvGrpSpPr>
+      <p:grpSpPr>
+        <a:xfrm>
+          <a:off x="0" y="0"/>
+          <a:ext cx="0" cy="0"/>
+          <a:chOff x="0" y="0"/>
+          <a:chExt cx="0" cy="0"/>
+        </a:xfrm>
+      </p:grpSpPr>
+      <p:sp>
+        <p:nvSpPr>
+          <p:cNvPr id="2" name="Title 1">
+            <a:extLst>
+              <a:ext uri="{FF2B5EF4-FFF2-40B4-BE49-F238E27FC236}">
+                <a16:creationId xmlns:a16="http://schemas.microsoft.com/office/drawing/2014/main" id="{4CE4FE77-9E1A-5E4E-ACF3-170A3A8B00FF}"/>
+              </a:ext>
+            </a:extLst>
+          </p:cNvPr>
+          <p:cNvSpPr>
+            <a:spLocks noGrp="1"/>
+          </p:cNvSpPr>
+          <p:nvPr>
+            <p:ph type="title"/>
+          </p:nvPr>
+        </p:nvSpPr>
+        <p:spPr/>
+        <p:txBody>
+          <a:bodyPr/>
+          <a:lstStyle/>
+          <a:p>
+            <a:r>
+              <a:rPr lang="en-US" dirty="0"/>
+              <a:t>Continued </a:t>
+            </a:r>
+            <a:r>
+              <a:rPr lang="en-US" dirty="0" err="1"/>
+              <a:t>aws</a:t>
+            </a:r>
+            <a:r>
+              <a:rPr lang="en-US" dirty="0"/>
+              <a:t> </a:t>
+            </a:r>
+            <a:r>
+              <a:rPr lang="en-US"/>
+              <a:t>vagrantfile</a:t>
+            </a:r>
+          </a:p>
+        </p:txBody>
+      </p:sp>
+      <p:sp>
+        <p:nvSpPr>
+          <p:cNvPr id="3" name="Content Placeholder 2">
+            <a:extLst>
+              <a:ext uri="{FF2B5EF4-FFF2-40B4-BE49-F238E27FC236}">
+                <a16:creationId xmlns:a16="http://schemas.microsoft.com/office/drawing/2014/main" id="{130F8560-D273-2A40-B52A-96BBA27C761A}"/>
+              </a:ext>
+            </a:extLst>
+          </p:cNvPr>
+          <p:cNvSpPr>
+            <a:spLocks noGrp="1"/>
+          </p:cNvSpPr>
+          <p:nvPr>
+            <p:ph idx="1"/>
+          </p:nvPr>
+        </p:nvSpPr>
+        <p:spPr>
+          <a:xfrm>
+            <a:off x="581192" y="2340863"/>
+            <a:ext cx="11029615" cy="4385757"/>
+          </a:xfrm>
+        </p:spPr>
+        <p:txBody>
+          <a:bodyPr>
+            <a:normAutofit/>
+          </a:bodyPr>
+          <a:lstStyle/>
+          <a:p>
+            <a:pPr marL="0" indent="0" fontAlgn="base">
+              <a:buNone/>
+            </a:pPr>
+            <a:r>
+              <a:rPr lang="en-US" sz="2400" b="1" dirty="0">
+                <a:latin typeface="American Typewriter" panose="02090604020004020304" pitchFamily="18" charset="77"/>
+              </a:rPr>
+              <a:t>    </a:t>
+            </a:r>
+            <a:r>
+              <a:rPr lang="en-US" sz="2400" b="1" dirty="0" err="1">
+                <a:latin typeface="American Typewriter" panose="02090604020004020304" pitchFamily="18" charset="77"/>
+              </a:rPr>
+              <a:t>aws.instance_type</a:t>
+            </a:r>
+            <a:r>
+              <a:rPr lang="en-US" sz="2400" b="1" dirty="0">
+                <a:latin typeface="American Typewriter" panose="02090604020004020304" pitchFamily="18" charset="77"/>
+              </a:rPr>
+              <a:t> = "t2.micro”</a:t>
+            </a:r>
+          </a:p>
+          <a:p>
+            <a:pPr marL="0" indent="0" fontAlgn="base">
+              <a:buNone/>
+            </a:pPr>
+            <a:r>
+              <a:rPr lang="en-US" sz="2400" b="1" dirty="0">
+                <a:latin typeface="American Typewriter" panose="02090604020004020304" pitchFamily="18" charset="77"/>
+              </a:rPr>
+              <a:t>    </a:t>
+            </a:r>
+            <a:r>
+              <a:rPr lang="en-US" sz="2400" b="1" dirty="0" err="1">
+                <a:latin typeface="American Typewriter" panose="02090604020004020304" pitchFamily="18" charset="77"/>
+              </a:rPr>
+              <a:t>aws.region</a:t>
+            </a:r>
+            <a:r>
+              <a:rPr lang="en-US" sz="2400" b="1" dirty="0">
+                <a:latin typeface="American Typewriter" panose="02090604020004020304" pitchFamily="18" charset="77"/>
+              </a:rPr>
+              <a:t> = 'us-east-1'</a:t>
+            </a:r>
+          </a:p>
+          <a:p>
+            <a:pPr marL="0" indent="0" fontAlgn="base">
+              <a:buNone/>
+            </a:pPr>
+            <a:r>
+              <a:rPr lang="en-US" sz="2400" b="1" dirty="0">
+                <a:latin typeface="American Typewriter" panose="02090604020004020304" pitchFamily="18" charset="77"/>
+              </a:rPr>
+              <a:t>    </a:t>
+            </a:r>
+            <a:r>
+              <a:rPr lang="en-US" sz="2400" b="1" dirty="0" err="1">
+                <a:latin typeface="American Typewriter" panose="02090604020004020304" pitchFamily="18" charset="77"/>
+              </a:rPr>
+              <a:t>aws.ami</a:t>
+            </a:r>
+            <a:r>
+              <a:rPr lang="en-US" sz="2400" b="1" dirty="0">
+                <a:latin typeface="American Typewriter" panose="02090604020004020304" pitchFamily="18" charset="77"/>
+              </a:rPr>
+              <a:t> = 'ami-20be7540'</a:t>
+            </a:r>
+          </a:p>
+          <a:p>
+            <a:pPr marL="0" indent="0" fontAlgn="base">
+              <a:buNone/>
+            </a:pPr>
+            <a:r>
+              <a:rPr lang="en-US" sz="2400" b="1" dirty="0">
+                <a:latin typeface="American Typewriter" panose="02090604020004020304" pitchFamily="18" charset="77"/>
+              </a:rPr>
+              <a:t>    </a:t>
+            </a:r>
+            <a:r>
+              <a:rPr lang="en-US" sz="2400" b="1" dirty="0" err="1">
+                <a:latin typeface="American Typewriter" panose="02090604020004020304" pitchFamily="18" charset="77"/>
+              </a:rPr>
+              <a:t>aws.security_groups</a:t>
+            </a:r>
+            <a:r>
+              <a:rPr lang="en-US" sz="2400" b="1" dirty="0">
+                <a:latin typeface="American Typewriter" panose="02090604020004020304" pitchFamily="18" charset="77"/>
+              </a:rPr>
+              <a:t> = ['default']</a:t>
+            </a:r>
+          </a:p>
+          <a:p>
+            <a:pPr marL="0" indent="0" fontAlgn="base">
+              <a:buNone/>
+            </a:pPr>
+            <a:r>
+              <a:rPr lang="en-US" sz="2400" b="1" dirty="0">
+                <a:latin typeface="American Typewriter" panose="02090604020004020304" pitchFamily="18" charset="77"/>
+              </a:rPr>
+              <a:t>    </a:t>
+            </a:r>
+            <a:r>
+              <a:rPr lang="en-US" sz="2400" b="1" dirty="0" err="1">
+                <a:latin typeface="American Typewriter" panose="02090604020004020304" pitchFamily="18" charset="77"/>
+              </a:rPr>
+              <a:t>override.ssh.username</a:t>
+            </a:r>
+            <a:r>
+              <a:rPr lang="en-US" sz="2400" b="1" dirty="0">
+                <a:latin typeface="American Typewriter" panose="02090604020004020304" pitchFamily="18" charset="77"/>
+              </a:rPr>
+              <a:t> = 'ubuntu'</a:t>
+            </a:r>
+          </a:p>
+          <a:p>
+            <a:pPr marL="0" indent="0" fontAlgn="base">
+              <a:buNone/>
+            </a:pPr>
+            <a:r>
+              <a:rPr lang="en-US" sz="2400" b="1" dirty="0">
+                <a:latin typeface="American Typewriter" panose="02090604020004020304" pitchFamily="18" charset="77"/>
+              </a:rPr>
+              <a:t>    </a:t>
+            </a:r>
+            <a:r>
+              <a:rPr lang="en-US" sz="2400" b="1" dirty="0" err="1">
+                <a:latin typeface="American Typewriter" panose="02090604020004020304" pitchFamily="18" charset="77"/>
+              </a:rPr>
+              <a:t>override.ssh.private_key_path</a:t>
+            </a:r>
+            <a:r>
+              <a:rPr lang="en-US" sz="2400" b="1" dirty="0">
+                <a:latin typeface="American Typewriter" panose="02090604020004020304" pitchFamily="18" charset="77"/>
+              </a:rPr>
+              <a:t> = '~/.</a:t>
+            </a:r>
+            <a:r>
+              <a:rPr lang="en-US" sz="2400" b="1" dirty="0" err="1">
+                <a:latin typeface="American Typewriter" panose="02090604020004020304" pitchFamily="18" charset="77"/>
+              </a:rPr>
+              <a:t>ssh</a:t>
+            </a:r>
+            <a:r>
+              <a:rPr lang="en-US" sz="2400" b="1" dirty="0">
+                <a:latin typeface="American Typewriter" panose="02090604020004020304" pitchFamily="18" charset="77"/>
+              </a:rPr>
+              <a:t>/</a:t>
+            </a:r>
+            <a:r>
+              <a:rPr lang="en-US" sz="2400" b="1" dirty="0" err="1">
+                <a:latin typeface="American Typewriter" panose="02090604020004020304" pitchFamily="18" charset="77"/>
+              </a:rPr>
+              <a:t>ssh</a:t>
+            </a:r>
+            <a:r>
+              <a:rPr lang="en-US" sz="2400" b="1" dirty="0">
+                <a:latin typeface="American Typewriter" panose="02090604020004020304" pitchFamily="18" charset="77"/>
+              </a:rPr>
+              <a:t>-keypair-file'</a:t>
+            </a:r>
+          </a:p>
+          <a:p>
+            <a:pPr marL="0" indent="0" fontAlgn="base">
+              <a:buNone/>
+            </a:pPr>
+            <a:r>
+              <a:rPr lang="en-US" sz="2400" b="1" dirty="0">
+                <a:latin typeface="American Typewriter" panose="02090604020004020304" pitchFamily="18" charset="77"/>
+              </a:rPr>
+              <a:t>  end</a:t>
+            </a:r>
+          </a:p>
+          <a:p>
+            <a:pPr marL="0" indent="0" fontAlgn="base">
+              <a:buNone/>
+            </a:pPr>
+            <a:r>
+              <a:rPr lang="en-US" sz="2400" b="1" dirty="0">
+                <a:latin typeface="American Typewriter" panose="02090604020004020304" pitchFamily="18" charset="77"/>
+              </a:rPr>
+              <a:t>end</a:t>
+            </a:r>
+          </a:p>
+          <a:p>
+            <a:endParaRPr lang="en-US" dirty="0"/>
+          </a:p>
+        </p:txBody>
+      </p:sp>
+    </p:spTree>
+    <p:extLst>
+      <p:ext uri="{BB962C8B-B14F-4D97-AF65-F5344CB8AC3E}">
+        <p14:creationId xmlns:p14="http://schemas.microsoft.com/office/powerpoint/2010/main" val="3939027504"/>
+      </p:ext>
+    </p:extLst>
+  </p:cSld>
+  <p:clrMapOvr>
+    <a:masterClrMapping/>
+  </p:clrMapOvr>
+</p:sld>
+</file>
+
+<file path=ppt/slides/slide18.xml><?xml version="1.0" encoding="utf-8"?>
+<p:sld xmlns:a="http://schemas.openxmlformats.org/drawingml/2006/main" xmlns:r="http://schemas.openxmlformats.org/officeDocument/2006/relationships" xmlns:p="http://schemas.openxmlformats.org/presentationml/2006/main">
+  <p:cSld>
+    <p:spTree>
+      <p:nvGrpSpPr>
+        <p:cNvPr id="1" name=""/>
+        <p:cNvGrpSpPr/>
+        <p:nvPr/>
+      </p:nvGrpSpPr>
+      <p:grpSpPr>
+        <a:xfrm>
+          <a:off x="0" y="0"/>
+          <a:ext cx="0" cy="0"/>
+          <a:chOff x="0" y="0"/>
+          <a:chExt cx="0" cy="0"/>
+        </a:xfrm>
+      </p:grpSpPr>
+      <p:sp>
+        <p:nvSpPr>
+          <p:cNvPr id="2" name="Title 1">
+            <a:extLst>
+              <a:ext uri="{FF2B5EF4-FFF2-40B4-BE49-F238E27FC236}">
+                <a16:creationId xmlns:a16="http://schemas.microsoft.com/office/drawing/2014/main" id="{BC096358-2AA2-1A4F-84DC-F33541CFBEB7}"/>
+              </a:ext>
+            </a:extLst>
+          </p:cNvPr>
+          <p:cNvSpPr>
+            <a:spLocks noGrp="1"/>
+          </p:cNvSpPr>
+          <p:nvPr>
+            <p:ph type="title"/>
+          </p:nvPr>
+        </p:nvSpPr>
+        <p:spPr/>
+        <p:txBody>
+          <a:bodyPr/>
+          <a:lstStyle/>
+          <a:p>
+            <a:r>
+              <a:rPr lang="en-US" dirty="0"/>
+              <a:t>Creating </a:t>
+            </a:r>
+            <a:r>
+              <a:rPr lang="en-US" dirty="0" err="1"/>
+              <a:t>aws</a:t>
+            </a:r>
+            <a:r>
+              <a:rPr lang="en-US"/>
+              <a:t> instance</a:t>
+            </a:r>
+          </a:p>
+        </p:txBody>
+      </p:sp>
+      <p:sp>
+        <p:nvSpPr>
+          <p:cNvPr id="3" name="Content Placeholder 2">
+            <a:extLst>
+              <a:ext uri="{FF2B5EF4-FFF2-40B4-BE49-F238E27FC236}">
+                <a16:creationId xmlns:a16="http://schemas.microsoft.com/office/drawing/2014/main" id="{F9462D55-E776-7547-A943-1C49F9CF97F6}"/>
+              </a:ext>
+            </a:extLst>
+          </p:cNvPr>
+          <p:cNvSpPr>
+            <a:spLocks noGrp="1"/>
+          </p:cNvSpPr>
+          <p:nvPr>
+            <p:ph idx="1"/>
+          </p:nvPr>
+        </p:nvSpPr>
+        <p:spPr/>
+        <p:txBody>
+          <a:bodyPr/>
+          <a:lstStyle/>
+          <a:p>
+            <a:r>
+              <a:rPr lang="en-US" dirty="0"/>
+              <a:t>Now let’s just do a </a:t>
+            </a:r>
+            <a:r>
+              <a:rPr lang="en-US" b="1" dirty="0"/>
+              <a:t>vagrant up</a:t>
+            </a:r>
+            <a:r>
+              <a:rPr lang="en-US" dirty="0"/>
+              <a:t> and go into the AWS console and see our bright, shiny new AWS instance. </a:t>
+            </a:r>
+          </a:p>
+        </p:txBody>
+      </p:sp>
+      <p:pic>
+        <p:nvPicPr>
+          <p:cNvPr id="4" name="Picture 3">
+            <a:extLst>
+              <a:ext uri="{FF2B5EF4-FFF2-40B4-BE49-F238E27FC236}">
+                <a16:creationId xmlns:a16="http://schemas.microsoft.com/office/drawing/2014/main" id="{E367BDB0-5DA6-F846-A06E-728122105F81}"/>
+              </a:ext>
+            </a:extLst>
+          </p:cNvPr>
+          <p:cNvPicPr>
+            <a:picLocks noChangeAspect="1"/>
+          </p:cNvPicPr>
+          <p:nvPr/>
+        </p:nvPicPr>
+        <p:blipFill>
+          <a:blip r:embed="rId2"/>
+          <a:stretch>
+            <a:fillRect/>
+          </a:stretch>
+        </p:blipFill>
+        <p:spPr>
+          <a:xfrm>
+            <a:off x="3904156" y="4436242"/>
+            <a:ext cx="3479800" cy="2336800"/>
+          </a:xfrm>
+          <a:prstGeom prst="rect">
+            <a:avLst/>
+          </a:prstGeom>
+        </p:spPr>
+      </p:pic>
+    </p:spTree>
+    <p:extLst>
+      <p:ext uri="{BB962C8B-B14F-4D97-AF65-F5344CB8AC3E}">
+        <p14:creationId xmlns:p14="http://schemas.microsoft.com/office/powerpoint/2010/main" val="1333420008"/>
+      </p:ext>
+    </p:extLst>
+  </p:cSld>
+  <p:clrMapOvr>
+    <a:masterClrMapping/>
+  </p:clrMapOvr>
+</p:sld>
+</file>
+
+<file path=ppt/slides/slide19.xml><?xml version="1.0" encoding="utf-8"?>
+<p:sld xmlns:a="http://schemas.openxmlformats.org/drawingml/2006/main" xmlns:r="http://schemas.openxmlformats.org/officeDocument/2006/relationships" xmlns:p="http://schemas.openxmlformats.org/presentationml/2006/main">
+  <p:cSld>
+    <p:spTree>
+      <p:nvGrpSpPr>
+        <p:cNvPr id="1" name=""/>
+        <p:cNvGrpSpPr/>
+        <p:nvPr/>
+      </p:nvGrpSpPr>
+      <p:grpSpPr>
+        <a:xfrm>
+          <a:off x="0" y="0"/>
+          <a:ext cx="0" cy="0"/>
+          <a:chOff x="0" y="0"/>
+          <a:chExt cx="0" cy="0"/>
+        </a:xfrm>
+      </p:grpSpPr>
+      <p:sp>
+        <p:nvSpPr>
+          <p:cNvPr id="2" name="Title 1">
+            <a:extLst>
+              <a:ext uri="{FF2B5EF4-FFF2-40B4-BE49-F238E27FC236}">
+                <a16:creationId xmlns:a16="http://schemas.microsoft.com/office/drawing/2014/main" id="{7D354519-64C9-1646-9A9D-FD6EC1C73036}"/>
+              </a:ext>
+            </a:extLst>
+          </p:cNvPr>
+          <p:cNvSpPr>
+            <a:spLocks noGrp="1"/>
+          </p:cNvSpPr>
+          <p:nvPr>
+            <p:ph type="title"/>
+          </p:nvPr>
+        </p:nvSpPr>
+        <p:spPr/>
+        <p:txBody>
+          <a:bodyPr/>
+          <a:lstStyle/>
+          <a:p>
+            <a:r>
+              <a:rPr lang="en-US" dirty="0"/>
+              <a:t>Confused?? Good…ask questions!</a:t>
+            </a:r>
+          </a:p>
+        </p:txBody>
+      </p:sp>
+      <p:pic>
+        <p:nvPicPr>
+          <p:cNvPr id="4" name="Picture 3">
+            <a:extLst>
+              <a:ext uri="{FF2B5EF4-FFF2-40B4-BE49-F238E27FC236}">
+                <a16:creationId xmlns:a16="http://schemas.microsoft.com/office/drawing/2014/main" id="{0903823F-7764-B348-9E8D-5C383CB5761C}"/>
+              </a:ext>
+            </a:extLst>
+          </p:cNvPr>
+          <p:cNvPicPr>
+            <a:picLocks noChangeAspect="1"/>
+          </p:cNvPicPr>
+          <p:nvPr/>
+        </p:nvPicPr>
+        <p:blipFill>
+          <a:blip r:embed="rId2"/>
+          <a:stretch>
+            <a:fillRect/>
+          </a:stretch>
+        </p:blipFill>
+        <p:spPr>
+          <a:xfrm>
+            <a:off x="3583460" y="1890876"/>
+            <a:ext cx="5240809" cy="4710094"/>
+          </a:xfrm>
+          <a:prstGeom prst="rect">
+            <a:avLst/>
+          </a:prstGeom>
+        </p:spPr>
+      </p:pic>
+    </p:spTree>
+    <p:extLst>
+      <p:ext uri="{BB962C8B-B14F-4D97-AF65-F5344CB8AC3E}">
+        <p14:creationId xmlns:p14="http://schemas.microsoft.com/office/powerpoint/2010/main" val="1883229760"/>
+      </p:ext>
+    </p:extLst>
+  </p:cSld>
+  <p:clrMapOvr>
+    <a:masterClrMapping/>
+  </p:clrMapOvr>
+</p:sld>
+</file>
+
 <file path=ppt/slides/slide2.xml><?xml version="1.0" encoding="utf-8"?>
 <p:sld xmlns:a="http://schemas.openxmlformats.org/drawingml/2006/main" xmlns:r="http://schemas.openxmlformats.org/officeDocument/2006/relationships" xmlns:p="http://schemas.openxmlformats.org/presentationml/2006/main">
   <p:cSld>
@@ -4608,7 +6382,7 @@
             <a:pPr algn="ctr"/>
             <a:r>
               <a:rPr lang="en-US" sz="3600" b="1" dirty="0"/>
-              <a:t>Managing vagrant boxes</a:t>
+              <a:t>Managing vagrant boxes and state</a:t>
             </a:r>
           </a:p>
         </p:txBody>
@@ -4724,7 +6498,7 @@
         </p:nvSpPr>
         <p:spPr>
           <a:xfrm>
-            <a:off x="581191" y="1634634"/>
+            <a:off x="581192" y="2091231"/>
             <a:ext cx="11029615" cy="4372452"/>
           </a:xfrm>
         </p:spPr>
@@ -4736,16 +6510,75 @@
           <a:p>
             <a:r>
               <a:rPr lang="en-US" sz="2400" dirty="0"/>
-              <a:t>So </a:t>
-            </a:r>
-            <a:r>
-              <a:rPr lang="en-US" sz="2400"/>
-              <a:t>with Vagrant boxes</a:t>
-            </a:r>
-            <a:endParaRPr lang="en-US" sz="2400" dirty="0"/>
-          </a:p>
-        </p:txBody>
-      </p:sp>
+              <a:t>Another neat factor that we have with Vagrant boxes is the ability to use and manage multiple boxes simultaneously in a single file. </a:t>
+            </a:r>
+          </a:p>
+          <a:p>
+            <a:r>
+              <a:rPr lang="en-US" sz="2400" dirty="0"/>
+              <a:t>By now, if you’ve done the lab from part 2, you are familiar with the numerous images that we have available from vagrant (via VMWare, </a:t>
+            </a:r>
+            <a:r>
+              <a:rPr lang="en-US" sz="2400" dirty="0" err="1"/>
+              <a:t>Virtualbox</a:t>
+            </a:r>
+            <a:r>
+              <a:rPr lang="en-US" sz="2400" dirty="0"/>
+              <a:t>, AWS, Docker, </a:t>
+            </a:r>
+            <a:r>
+              <a:rPr lang="en-US" sz="2400" dirty="0" err="1"/>
+              <a:t>etc</a:t>
+            </a:r>
+            <a:r>
+              <a:rPr lang="en-US" sz="2400" dirty="0"/>
+              <a:t>).</a:t>
+            </a:r>
+          </a:p>
+          <a:p>
+            <a:r>
+              <a:rPr lang="en-US" sz="2400" dirty="0"/>
+              <a:t>One of the huge advantages of using Vagrant to manage these images is that we can create a collection of various images on our hard drive for later use.</a:t>
+            </a:r>
+          </a:p>
+          <a:p>
+            <a:r>
+              <a:rPr lang="en-US" sz="2400" dirty="0"/>
+              <a:t>This saves a TON of download time</a:t>
+            </a:r>
+          </a:p>
+        </p:txBody>
+      </p:sp>
+      <p:pic>
+        <p:nvPicPr>
+          <p:cNvPr id="5" name="Picture 4">
+            <a:extLst>
+              <a:ext uri="{FF2B5EF4-FFF2-40B4-BE49-F238E27FC236}">
+                <a16:creationId xmlns:a16="http://schemas.microsoft.com/office/drawing/2014/main" id="{A83C4FF2-C867-1845-A69E-96DC4B0E7D94}"/>
+              </a:ext>
+            </a:extLst>
+          </p:cNvPr>
+          <p:cNvPicPr>
+            <a:picLocks noChangeAspect="1"/>
+          </p:cNvPicPr>
+          <p:nvPr/>
+        </p:nvPicPr>
+        <p:blipFill>
+          <a:blip r:embed="rId2"/>
+          <a:stretch>
+            <a:fillRect/>
+          </a:stretch>
+        </p:blipFill>
+        <p:spPr>
+          <a:xfrm>
+            <a:off x="5014089" y="725541"/>
+            <a:ext cx="1365690" cy="1365690"/>
+          </a:xfrm>
+          <a:prstGeom prst="rect">
+            <a:avLst/>
+          </a:prstGeom>
+        </p:spPr>
+      </p:pic>
     </p:spTree>
     <p:extLst>
       <p:ext uri="{BB962C8B-B14F-4D97-AF65-F5344CB8AC3E}">
@@ -4781,7 +6614,7 @@
           <p:cNvPr id="2" name="Title 1">
             <a:extLst>
               <a:ext uri="{FF2B5EF4-FFF2-40B4-BE49-F238E27FC236}">
-                <a16:creationId xmlns:a16="http://schemas.microsoft.com/office/drawing/2014/main" id="{7D354519-64C9-1646-9A9D-FD6EC1C73036}"/>
+                <a16:creationId xmlns:a16="http://schemas.microsoft.com/office/drawing/2014/main" id="{ADC2D477-4754-9A45-8753-698BACE41D71}"/>
               </a:ext>
             </a:extLst>
           </p:cNvPr>
@@ -4799,7 +6632,139 @@
           <a:p>
             <a:r>
               <a:rPr lang="en-US" dirty="0"/>
-              <a:t>Confused?? Good…ask questions!</a:t>
+              <a:t>Vagrant boxes</a:t>
+            </a:r>
+          </a:p>
+        </p:txBody>
+      </p:sp>
+      <p:sp>
+        <p:nvSpPr>
+          <p:cNvPr id="3" name="Content Placeholder 2">
+            <a:extLst>
+              <a:ext uri="{FF2B5EF4-FFF2-40B4-BE49-F238E27FC236}">
+                <a16:creationId xmlns:a16="http://schemas.microsoft.com/office/drawing/2014/main" id="{82AB202E-872E-A941-929C-1205F0C32618}"/>
+              </a:ext>
+            </a:extLst>
+          </p:cNvPr>
+          <p:cNvSpPr>
+            <a:spLocks noGrp="1"/>
+          </p:cNvSpPr>
+          <p:nvPr>
+            <p:ph idx="1"/>
+          </p:nvPr>
+        </p:nvSpPr>
+        <p:spPr>
+          <a:xfrm>
+            <a:off x="581193" y="2690648"/>
+            <a:ext cx="11029615" cy="3873281"/>
+          </a:xfrm>
+        </p:spPr>
+        <p:txBody>
+          <a:bodyPr>
+            <a:normAutofit/>
+          </a:bodyPr>
+          <a:lstStyle/>
+          <a:p>
+            <a:r>
+              <a:rPr lang="en-US" sz="2000" dirty="0"/>
+              <a:t>A quick and easy way to access new Vagrant boxes from the registry is with the </a:t>
+            </a:r>
+            <a:r>
+              <a:rPr lang="en-US" sz="2000" b="1" dirty="0">
+                <a:latin typeface="American Typewriter" panose="02090604020004020304" pitchFamily="18" charset="77"/>
+              </a:rPr>
+              <a:t>vagrant box add</a:t>
+            </a:r>
+            <a:r>
+              <a:rPr lang="en-US" sz="2000" dirty="0">
+                <a:latin typeface="American Typewriter" panose="02090604020004020304" pitchFamily="18" charset="77"/>
+              </a:rPr>
+              <a:t> </a:t>
+            </a:r>
+            <a:r>
+              <a:rPr lang="en-US" sz="2000" dirty="0"/>
+              <a:t>command on the command line (from within a directory where you ran a </a:t>
+            </a:r>
+            <a:r>
+              <a:rPr lang="en-US" sz="2000" b="1" dirty="0">
+                <a:latin typeface="American Typewriter" panose="02090604020004020304" pitchFamily="18" charset="77"/>
+              </a:rPr>
+              <a:t>vagrant </a:t>
+            </a:r>
+            <a:r>
+              <a:rPr lang="en-US" sz="2000" b="1" dirty="0" err="1">
+                <a:latin typeface="American Typewriter" panose="02090604020004020304" pitchFamily="18" charset="77"/>
+              </a:rPr>
+              <a:t>init</a:t>
+            </a:r>
+            <a:r>
+              <a:rPr lang="en-US" sz="2000" dirty="0">
+                <a:latin typeface="American Typewriter" panose="02090604020004020304" pitchFamily="18" charset="77"/>
+              </a:rPr>
+              <a:t>) </a:t>
+            </a:r>
+          </a:p>
+          <a:p>
+            <a:r>
+              <a:rPr lang="en-US" sz="2000" dirty="0"/>
+              <a:t>So you can easily add a box (and not have to download a new one </a:t>
+            </a:r>
+            <a:r>
+              <a:rPr lang="en-US" sz="2000" dirty="0" err="1"/>
+              <a:t>every.single.time</a:t>
+            </a:r>
+            <a:r>
+              <a:rPr lang="en-US" sz="2000" dirty="0"/>
+              <a:t> (which is the longest part of any </a:t>
+            </a:r>
+            <a:r>
+              <a:rPr lang="en-US" sz="2000" b="1" dirty="0">
+                <a:latin typeface="American Typewriter" panose="02090604020004020304" pitchFamily="18" charset="77"/>
+              </a:rPr>
+              <a:t>vagrant up</a:t>
+            </a:r>
+            <a:r>
+              <a:rPr lang="en-US" sz="2000" dirty="0">
+                <a:latin typeface="American Typewriter" panose="02090604020004020304" pitchFamily="18" charset="77"/>
+              </a:rPr>
+              <a:t> </a:t>
+            </a:r>
+            <a:r>
+              <a:rPr lang="en-US" sz="2000" dirty="0"/>
+              <a:t>command) by simply running (and do this now):</a:t>
+            </a:r>
+          </a:p>
+          <a:p>
+            <a:pPr lvl="1"/>
+            <a:r>
+              <a:rPr lang="en-US" sz="1800" b="1" dirty="0">
+                <a:latin typeface="American Typewriter" panose="02090604020004020304" pitchFamily="18" charset="77"/>
+              </a:rPr>
+              <a:t>vagrant box add </a:t>
+            </a:r>
+            <a:r>
+              <a:rPr lang="en-US" sz="1800" b="1" dirty="0" err="1">
+                <a:latin typeface="American Typewriter" panose="02090604020004020304" pitchFamily="18" charset="77"/>
+              </a:rPr>
+              <a:t>hashicorp</a:t>
+            </a:r>
+            <a:r>
+              <a:rPr lang="en-US" sz="1800" b="1" dirty="0">
+                <a:latin typeface="American Typewriter" panose="02090604020004020304" pitchFamily="18" charset="77"/>
+              </a:rPr>
+              <a:t>/precise32</a:t>
+            </a:r>
+          </a:p>
+          <a:p>
+            <a:r>
+              <a:rPr lang="en-US" sz="2000" dirty="0"/>
+              <a:t>You can then SEE what boxes you have available with the command </a:t>
+            </a:r>
+            <a:r>
+              <a:rPr lang="en-US" sz="2000" b="1" dirty="0">
+                <a:latin typeface="American Typewriter" panose="02090604020004020304" pitchFamily="18" charset="77"/>
+              </a:rPr>
+              <a:t>vagrant box list</a:t>
             </a:r>
           </a:p>
         </p:txBody>
@@ -4809,7 +6774,7 @@
           <p:cNvPr id="4" name="Picture 3">
             <a:extLst>
               <a:ext uri="{FF2B5EF4-FFF2-40B4-BE49-F238E27FC236}">
-                <a16:creationId xmlns:a16="http://schemas.microsoft.com/office/drawing/2014/main" id="{0903823F-7764-B348-9E8D-5C383CB5761C}"/>
+                <a16:creationId xmlns:a16="http://schemas.microsoft.com/office/drawing/2014/main" id="{45CD099B-CC19-A240-A220-5806999E55A5}"/>
               </a:ext>
             </a:extLst>
           </p:cNvPr>
@@ -4826,8 +6791,8 @@
         </p:blipFill>
         <p:spPr>
           <a:xfrm>
-            <a:off x="3583460" y="1890876"/>
-            <a:ext cx="5240809" cy="4710094"/>
+            <a:off x="5161234" y="702156"/>
+            <a:ext cx="2471968" cy="2471968"/>
           </a:xfrm>
           <a:prstGeom prst="rect">
             <a:avLst/>
@@ -4837,7 +6802,932 @@
     </p:spTree>
     <p:extLst>
       <p:ext uri="{BB962C8B-B14F-4D97-AF65-F5344CB8AC3E}">
-        <p14:creationId xmlns:p14="http://schemas.microsoft.com/office/powerpoint/2010/main" val="1883229760"/>
+        <p14:creationId xmlns:p14="http://schemas.microsoft.com/office/powerpoint/2010/main" val="1349416583"/>
+      </p:ext>
+    </p:extLst>
+  </p:cSld>
+  <p:clrMapOvr>
+    <a:masterClrMapping/>
+  </p:clrMapOvr>
+</p:sld>
+</file>
+
+<file path=ppt/slides/slide5.xml><?xml version="1.0" encoding="utf-8"?>
+<p:sld xmlns:a="http://schemas.openxmlformats.org/drawingml/2006/main" xmlns:r="http://schemas.openxmlformats.org/officeDocument/2006/relationships" xmlns:p="http://schemas.openxmlformats.org/presentationml/2006/main">
+  <p:cSld>
+    <p:spTree>
+      <p:nvGrpSpPr>
+        <p:cNvPr id="1" name=""/>
+        <p:cNvGrpSpPr/>
+        <p:nvPr/>
+      </p:nvGrpSpPr>
+      <p:grpSpPr>
+        <a:xfrm>
+          <a:off x="0" y="0"/>
+          <a:ext cx="0" cy="0"/>
+          <a:chOff x="0" y="0"/>
+          <a:chExt cx="0" cy="0"/>
+        </a:xfrm>
+      </p:grpSpPr>
+      <p:sp>
+        <p:nvSpPr>
+          <p:cNvPr id="2" name="Title 1">
+            <a:extLst>
+              <a:ext uri="{FF2B5EF4-FFF2-40B4-BE49-F238E27FC236}">
+                <a16:creationId xmlns:a16="http://schemas.microsoft.com/office/drawing/2014/main" id="{17CCEF45-41EB-B741-BCA9-2DBF761C1894}"/>
+              </a:ext>
+            </a:extLst>
+          </p:cNvPr>
+          <p:cNvSpPr>
+            <a:spLocks noGrp="1"/>
+          </p:cNvSpPr>
+          <p:nvPr>
+            <p:ph type="title"/>
+          </p:nvPr>
+        </p:nvSpPr>
+        <p:spPr/>
+        <p:txBody>
+          <a:bodyPr/>
+          <a:lstStyle/>
+          <a:p>
+            <a:r>
+              <a:rPr lang="en-US" dirty="0"/>
+              <a:t>Vagrant </a:t>
+            </a:r>
+            <a:r>
+              <a:rPr lang="en-US" dirty="0" err="1"/>
+              <a:t>boxES</a:t>
+            </a:r>
+            <a:endParaRPr lang="en-US" dirty="0"/>
+          </a:p>
+        </p:txBody>
+      </p:sp>
+      <p:sp>
+        <p:nvSpPr>
+          <p:cNvPr id="3" name="Content Placeholder 2">
+            <a:extLst>
+              <a:ext uri="{FF2B5EF4-FFF2-40B4-BE49-F238E27FC236}">
+                <a16:creationId xmlns:a16="http://schemas.microsoft.com/office/drawing/2014/main" id="{DCEF9C7B-A89B-9B40-BD51-95A3B0D1EF4B}"/>
+              </a:ext>
+            </a:extLst>
+          </p:cNvPr>
+          <p:cNvSpPr>
+            <a:spLocks noGrp="1"/>
+          </p:cNvSpPr>
+          <p:nvPr>
+            <p:ph idx="1"/>
+          </p:nvPr>
+        </p:nvSpPr>
+        <p:spPr>
+          <a:xfrm>
+            <a:off x="581192" y="2585544"/>
+            <a:ext cx="11029615" cy="3389805"/>
+          </a:xfrm>
+        </p:spPr>
+        <p:txBody>
+          <a:bodyPr>
+            <a:normAutofit/>
+          </a:bodyPr>
+          <a:lstStyle/>
+          <a:p>
+            <a:r>
+              <a:rPr lang="en-US" sz="2400" dirty="0"/>
+              <a:t>Now- if you want to remove outdated vagrant boxes you can run </a:t>
+            </a:r>
+            <a:r>
+              <a:rPr lang="en-US" sz="2400" b="1" dirty="0">
+                <a:latin typeface="American Typewriter" panose="02090604020004020304" pitchFamily="18" charset="77"/>
+              </a:rPr>
+              <a:t>vagrant box prune</a:t>
+            </a:r>
+            <a:r>
+              <a:rPr lang="en-US" sz="2400" b="1" dirty="0"/>
+              <a:t> </a:t>
+            </a:r>
+            <a:r>
+              <a:rPr lang="en-US" sz="2400" dirty="0"/>
+              <a:t>and all vagrant boxes that are outdated will be removed from your host</a:t>
+            </a:r>
+          </a:p>
+          <a:p>
+            <a:r>
+              <a:rPr lang="en-US" sz="2400" b="1" dirty="0">
+                <a:latin typeface="American Typewriter" panose="02090604020004020304" pitchFamily="18" charset="77"/>
+              </a:rPr>
+              <a:t>vagrant box remove</a:t>
+            </a:r>
+            <a:r>
+              <a:rPr lang="en-US" sz="2400" dirty="0">
+                <a:latin typeface="American Typewriter" panose="02090604020004020304" pitchFamily="18" charset="77"/>
+              </a:rPr>
+              <a:t> </a:t>
+            </a:r>
+            <a:r>
+              <a:rPr lang="en-US" sz="2400" dirty="0"/>
+              <a:t>does the obvious…removes a box from your host</a:t>
+            </a:r>
+          </a:p>
+          <a:p>
+            <a:r>
+              <a:rPr lang="en-US" sz="2400" b="1" dirty="0">
+                <a:latin typeface="American Typewriter" panose="02090604020004020304" pitchFamily="18" charset="77"/>
+              </a:rPr>
+              <a:t>vagrant box update </a:t>
+            </a:r>
+            <a:r>
+              <a:rPr lang="en-US" sz="2400" dirty="0"/>
+              <a:t>will update the box to the latest version available online</a:t>
+            </a:r>
+            <a:endParaRPr lang="en-US" sz="2400" b="1" dirty="0"/>
+          </a:p>
+        </p:txBody>
+      </p:sp>
+      <p:pic>
+        <p:nvPicPr>
+          <p:cNvPr id="4" name="Picture 3">
+            <a:extLst>
+              <a:ext uri="{FF2B5EF4-FFF2-40B4-BE49-F238E27FC236}">
+                <a16:creationId xmlns:a16="http://schemas.microsoft.com/office/drawing/2014/main" id="{AB5D9056-2BE7-1C4A-BB57-0BE47E247982}"/>
+              </a:ext>
+            </a:extLst>
+          </p:cNvPr>
+          <p:cNvPicPr>
+            <a:picLocks noChangeAspect="1"/>
+          </p:cNvPicPr>
+          <p:nvPr/>
+        </p:nvPicPr>
+        <p:blipFill>
+          <a:blip r:embed="rId2"/>
+          <a:stretch>
+            <a:fillRect/>
+          </a:stretch>
+        </p:blipFill>
+        <p:spPr>
+          <a:xfrm>
+            <a:off x="4996355" y="882651"/>
+            <a:ext cx="1196709" cy="2217901"/>
+          </a:xfrm>
+          <a:prstGeom prst="rect">
+            <a:avLst/>
+          </a:prstGeom>
+        </p:spPr>
+      </p:pic>
+    </p:spTree>
+    <p:extLst>
+      <p:ext uri="{BB962C8B-B14F-4D97-AF65-F5344CB8AC3E}">
+        <p14:creationId xmlns:p14="http://schemas.microsoft.com/office/powerpoint/2010/main" val="150985357"/>
+      </p:ext>
+    </p:extLst>
+  </p:cSld>
+  <p:clrMapOvr>
+    <a:masterClrMapping/>
+  </p:clrMapOvr>
+</p:sld>
+</file>
+
+<file path=ppt/slides/slide6.xml><?xml version="1.0" encoding="utf-8"?>
+<p:sld xmlns:a="http://schemas.openxmlformats.org/drawingml/2006/main" xmlns:r="http://schemas.openxmlformats.org/officeDocument/2006/relationships" xmlns:p="http://schemas.openxmlformats.org/presentationml/2006/main">
+  <p:cSld>
+    <p:spTree>
+      <p:nvGrpSpPr>
+        <p:cNvPr id="1" name=""/>
+        <p:cNvGrpSpPr/>
+        <p:nvPr/>
+      </p:nvGrpSpPr>
+      <p:grpSpPr>
+        <a:xfrm>
+          <a:off x="0" y="0"/>
+          <a:ext cx="0" cy="0"/>
+          <a:chOff x="0" y="0"/>
+          <a:chExt cx="0" cy="0"/>
+        </a:xfrm>
+      </p:grpSpPr>
+      <p:sp>
+        <p:nvSpPr>
+          <p:cNvPr id="2" name="Title 1">
+            <a:extLst>
+              <a:ext uri="{FF2B5EF4-FFF2-40B4-BE49-F238E27FC236}">
+                <a16:creationId xmlns:a16="http://schemas.microsoft.com/office/drawing/2014/main" id="{E593EDF8-7DDB-0E48-ABA1-E604E04B1B97}"/>
+              </a:ext>
+            </a:extLst>
+          </p:cNvPr>
+          <p:cNvSpPr>
+            <a:spLocks noGrp="1"/>
+          </p:cNvSpPr>
+          <p:nvPr>
+            <p:ph type="title"/>
+          </p:nvPr>
+        </p:nvSpPr>
+        <p:spPr>
+          <a:xfrm>
+            <a:off x="581192" y="702156"/>
+            <a:ext cx="11029616" cy="706230"/>
+          </a:xfrm>
+        </p:spPr>
+        <p:txBody>
+          <a:bodyPr/>
+          <a:lstStyle/>
+          <a:p>
+            <a:r>
+              <a:rPr lang="en-US" dirty="0"/>
+              <a:t>Vagrant snapshots</a:t>
+            </a:r>
+          </a:p>
+        </p:txBody>
+      </p:sp>
+      <p:sp>
+        <p:nvSpPr>
+          <p:cNvPr id="3" name="Content Placeholder 2">
+            <a:extLst>
+              <a:ext uri="{FF2B5EF4-FFF2-40B4-BE49-F238E27FC236}">
+                <a16:creationId xmlns:a16="http://schemas.microsoft.com/office/drawing/2014/main" id="{EB4FFF17-F1D5-3849-8EC3-24CE9F6E7AA8}"/>
+              </a:ext>
+            </a:extLst>
+          </p:cNvPr>
+          <p:cNvSpPr>
+            <a:spLocks noGrp="1"/>
+          </p:cNvSpPr>
+          <p:nvPr>
+            <p:ph idx="1"/>
+          </p:nvPr>
+        </p:nvSpPr>
+        <p:spPr/>
+        <p:txBody>
+          <a:bodyPr>
+            <a:normAutofit/>
+          </a:bodyPr>
+          <a:lstStyle/>
+          <a:p>
+            <a:r>
+              <a:rPr lang="en-US" sz="2400" dirty="0"/>
+              <a:t>So let’s say that you have a situation where you have successfully created a Vagrant machine and run your code and DEAR GOD IT WORKS!!</a:t>
+            </a:r>
+          </a:p>
+          <a:p>
+            <a:r>
+              <a:rPr lang="en-US" sz="2400" dirty="0"/>
+              <a:t>After your massive celebration because you successfully created a server that runs your code the first thing you’ll want to do is take a PICTURE of the current </a:t>
+            </a:r>
+            <a:r>
+              <a:rPr lang="en-US" sz="2400" b="1" dirty="0"/>
+              <a:t>state</a:t>
+            </a:r>
+            <a:r>
+              <a:rPr lang="en-US" sz="2400" dirty="0"/>
+              <a:t> of your virtual machine (because it’s PERFECT right now, right? Or at least…it works)</a:t>
+            </a:r>
+          </a:p>
+          <a:p>
+            <a:r>
+              <a:rPr lang="en-US" sz="2400" dirty="0" err="1"/>
+              <a:t>So..let’s</a:t>
+            </a:r>
+            <a:r>
+              <a:rPr lang="en-US" sz="2400" dirty="0"/>
+              <a:t> stick with this </a:t>
+            </a:r>
+            <a:r>
+              <a:rPr lang="en-US" sz="2400" b="1" dirty="0"/>
+              <a:t>picture</a:t>
+            </a:r>
+            <a:r>
+              <a:rPr lang="en-US" sz="2400" dirty="0"/>
+              <a:t> analogy for a second…you now have an </a:t>
+            </a:r>
+            <a:r>
+              <a:rPr lang="en-US" sz="2400" b="1" dirty="0"/>
+              <a:t>image</a:t>
+            </a:r>
+            <a:r>
+              <a:rPr lang="en-US" sz="2400" dirty="0"/>
+              <a:t> of a server that we know WORKS…so we want to use the </a:t>
+            </a:r>
+            <a:r>
+              <a:rPr lang="en-US" sz="2400" b="1" dirty="0"/>
+              <a:t>vagrant snapshot</a:t>
+            </a:r>
+            <a:endParaRPr lang="en-US" sz="2400" dirty="0"/>
+          </a:p>
+        </p:txBody>
+      </p:sp>
+      <p:pic>
+        <p:nvPicPr>
+          <p:cNvPr id="4" name="Picture 3">
+            <a:extLst>
+              <a:ext uri="{FF2B5EF4-FFF2-40B4-BE49-F238E27FC236}">
+                <a16:creationId xmlns:a16="http://schemas.microsoft.com/office/drawing/2014/main" id="{832533B0-AFFE-8D47-8123-19CDFC6349FD}"/>
+              </a:ext>
+            </a:extLst>
+          </p:cNvPr>
+          <p:cNvPicPr>
+            <a:picLocks noChangeAspect="1"/>
+          </p:cNvPicPr>
+          <p:nvPr/>
+        </p:nvPicPr>
+        <p:blipFill>
+          <a:blip r:embed="rId2"/>
+          <a:stretch>
+            <a:fillRect/>
+          </a:stretch>
+        </p:blipFill>
+        <p:spPr>
+          <a:xfrm>
+            <a:off x="5129705" y="571500"/>
+            <a:ext cx="1604141" cy="1604141"/>
+          </a:xfrm>
+          <a:prstGeom prst="rect">
+            <a:avLst/>
+          </a:prstGeom>
+        </p:spPr>
+      </p:pic>
+    </p:spTree>
+    <p:extLst>
+      <p:ext uri="{BB962C8B-B14F-4D97-AF65-F5344CB8AC3E}">
+        <p14:creationId xmlns:p14="http://schemas.microsoft.com/office/powerpoint/2010/main" val="66069795"/>
+      </p:ext>
+    </p:extLst>
+  </p:cSld>
+  <p:clrMapOvr>
+    <a:masterClrMapping/>
+  </p:clrMapOvr>
+</p:sld>
+</file>
+
+<file path=ppt/slides/slide7.xml><?xml version="1.0" encoding="utf-8"?>
+<p:sld xmlns:a="http://schemas.openxmlformats.org/drawingml/2006/main" xmlns:r="http://schemas.openxmlformats.org/officeDocument/2006/relationships" xmlns:p="http://schemas.openxmlformats.org/presentationml/2006/main">
+  <p:cSld>
+    <p:spTree>
+      <p:nvGrpSpPr>
+        <p:cNvPr id="1" name=""/>
+        <p:cNvGrpSpPr/>
+        <p:nvPr/>
+      </p:nvGrpSpPr>
+      <p:grpSpPr>
+        <a:xfrm>
+          <a:off x="0" y="0"/>
+          <a:ext cx="0" cy="0"/>
+          <a:chOff x="0" y="0"/>
+          <a:chExt cx="0" cy="0"/>
+        </a:xfrm>
+      </p:grpSpPr>
+      <p:sp>
+        <p:nvSpPr>
+          <p:cNvPr id="2" name="Title 1">
+            <a:extLst>
+              <a:ext uri="{FF2B5EF4-FFF2-40B4-BE49-F238E27FC236}">
+                <a16:creationId xmlns:a16="http://schemas.microsoft.com/office/drawing/2014/main" id="{93A93259-02FD-B84D-892B-1298BC98E298}"/>
+              </a:ext>
+            </a:extLst>
+          </p:cNvPr>
+          <p:cNvSpPr>
+            <a:spLocks noGrp="1"/>
+          </p:cNvSpPr>
+          <p:nvPr>
+            <p:ph type="title"/>
+          </p:nvPr>
+        </p:nvSpPr>
+        <p:spPr/>
+        <p:txBody>
+          <a:bodyPr/>
+          <a:lstStyle/>
+          <a:p>
+            <a:r>
+              <a:rPr lang="en-US" dirty="0"/>
+              <a:t>Vagrant snapshot</a:t>
+            </a:r>
+          </a:p>
+        </p:txBody>
+      </p:sp>
+      <p:sp>
+        <p:nvSpPr>
+          <p:cNvPr id="3" name="Content Placeholder 2">
+            <a:extLst>
+              <a:ext uri="{FF2B5EF4-FFF2-40B4-BE49-F238E27FC236}">
+                <a16:creationId xmlns:a16="http://schemas.microsoft.com/office/drawing/2014/main" id="{627621A3-5C43-674C-9B60-D9B96BF1DAD6}"/>
+              </a:ext>
+            </a:extLst>
+          </p:cNvPr>
+          <p:cNvSpPr>
+            <a:spLocks noGrp="1"/>
+          </p:cNvSpPr>
+          <p:nvPr>
+            <p:ph idx="1"/>
+          </p:nvPr>
+        </p:nvSpPr>
+        <p:spPr>
+          <a:xfrm>
+            <a:off x="581191" y="2766533"/>
+            <a:ext cx="11029615" cy="4091467"/>
+          </a:xfrm>
+        </p:spPr>
+        <p:txBody>
+          <a:bodyPr/>
+          <a:lstStyle/>
+          <a:p>
+            <a:r>
+              <a:rPr lang="en-US" sz="2400" dirty="0"/>
+              <a:t>So (as we now push this “photograph analogy to it’s limits)…let’s say we start a </a:t>
+            </a:r>
+            <a:r>
+              <a:rPr lang="en-US" sz="2400" b="1" dirty="0"/>
+              <a:t>stack</a:t>
+            </a:r>
+            <a:r>
+              <a:rPr lang="en-US" sz="2400" dirty="0"/>
+              <a:t> of pictures that we can reference. </a:t>
+            </a:r>
+          </a:p>
+          <a:p>
+            <a:r>
+              <a:rPr lang="en-US" sz="2400" dirty="0"/>
+              <a:t>Imagine the snapshot </a:t>
+            </a:r>
+            <a:r>
+              <a:rPr lang="en-US" sz="2400" b="1" dirty="0"/>
+              <a:t>stack</a:t>
+            </a:r>
+            <a:r>
+              <a:rPr lang="en-US" sz="2400" dirty="0"/>
+              <a:t> as literally that- a pile of polaroid images stacked on top of one another…each marked with a </a:t>
+            </a:r>
+            <a:r>
+              <a:rPr lang="en-US" sz="2400" b="1" dirty="0"/>
+              <a:t>time and date</a:t>
+            </a:r>
+            <a:r>
+              <a:rPr lang="en-US" sz="2400" dirty="0"/>
+              <a:t> of when they were taken.</a:t>
+            </a:r>
+          </a:p>
+          <a:p>
+            <a:r>
+              <a:rPr lang="en-US" sz="2400" dirty="0"/>
+              <a:t>With each </a:t>
+            </a:r>
+            <a:r>
+              <a:rPr lang="en-US" sz="2400" b="1" dirty="0"/>
+              <a:t>snapshot</a:t>
+            </a:r>
+            <a:r>
+              <a:rPr lang="en-US" sz="2400" dirty="0"/>
+              <a:t> we want to </a:t>
+            </a:r>
+            <a:r>
+              <a:rPr lang="en-US" sz="2400" b="1" dirty="0"/>
+              <a:t>push</a:t>
+            </a:r>
+            <a:r>
+              <a:rPr lang="en-US" sz="2400" dirty="0"/>
+              <a:t> the image onto the </a:t>
+            </a:r>
+            <a:r>
+              <a:rPr lang="en-US" sz="2400" b="1" dirty="0"/>
+              <a:t>stack</a:t>
+            </a:r>
+            <a:r>
+              <a:rPr lang="en-US" sz="2400" dirty="0"/>
+              <a:t>…hence the command </a:t>
+            </a:r>
+            <a:r>
+              <a:rPr lang="en-US" sz="2400" b="1" dirty="0">
+                <a:latin typeface="American Typewriter" panose="02090604020004020304" pitchFamily="18" charset="77"/>
+              </a:rPr>
+              <a:t>vagrant snapshot push </a:t>
+            </a:r>
+            <a:r>
+              <a:rPr lang="en-US" sz="2400" dirty="0"/>
+              <a:t>which will </a:t>
+            </a:r>
+            <a:r>
+              <a:rPr lang="en-US" sz="2400" b="1" dirty="0"/>
+              <a:t>push</a:t>
+            </a:r>
+            <a:r>
+              <a:rPr lang="en-US" sz="2400" dirty="0"/>
+              <a:t> the image onto the </a:t>
+            </a:r>
+            <a:r>
+              <a:rPr lang="en-US" sz="2400" b="1" dirty="0"/>
+              <a:t>stack</a:t>
+            </a:r>
+            <a:r>
+              <a:rPr lang="en-US" sz="2400" dirty="0"/>
+              <a:t>.</a:t>
+            </a:r>
+          </a:p>
+          <a:p>
+            <a:pPr marL="0" indent="0">
+              <a:buNone/>
+            </a:pPr>
+            <a:endParaRPr lang="en-US" dirty="0"/>
+          </a:p>
+          <a:p>
+            <a:endParaRPr lang="en-US" dirty="0">
+              <a:latin typeface="American Typewriter" panose="02090604020004020304" pitchFamily="18" charset="77"/>
+            </a:endParaRPr>
+          </a:p>
+        </p:txBody>
+      </p:sp>
+      <p:pic>
+        <p:nvPicPr>
+          <p:cNvPr id="4" name="Picture 3">
+            <a:extLst>
+              <a:ext uri="{FF2B5EF4-FFF2-40B4-BE49-F238E27FC236}">
+                <a16:creationId xmlns:a16="http://schemas.microsoft.com/office/drawing/2014/main" id="{D714130F-00E9-6B4D-8E00-274973728882}"/>
+              </a:ext>
+            </a:extLst>
+          </p:cNvPr>
+          <p:cNvPicPr>
+            <a:picLocks noChangeAspect="1"/>
+          </p:cNvPicPr>
+          <p:nvPr/>
+        </p:nvPicPr>
+        <p:blipFill>
+          <a:blip r:embed="rId2"/>
+          <a:stretch>
+            <a:fillRect/>
+          </a:stretch>
+        </p:blipFill>
+        <p:spPr>
+          <a:xfrm>
+            <a:off x="5517931" y="660400"/>
+            <a:ext cx="2044918" cy="1929836"/>
+          </a:xfrm>
+          <a:prstGeom prst="rect">
+            <a:avLst/>
+          </a:prstGeom>
+        </p:spPr>
+      </p:pic>
+    </p:spTree>
+    <p:extLst>
+      <p:ext uri="{BB962C8B-B14F-4D97-AF65-F5344CB8AC3E}">
+        <p14:creationId xmlns:p14="http://schemas.microsoft.com/office/powerpoint/2010/main" val="159951349"/>
+      </p:ext>
+    </p:extLst>
+  </p:cSld>
+  <p:clrMapOvr>
+    <a:masterClrMapping/>
+  </p:clrMapOvr>
+</p:sld>
+</file>
+
+<file path=ppt/slides/slide8.xml><?xml version="1.0" encoding="utf-8"?>
+<p:sld xmlns:a="http://schemas.openxmlformats.org/drawingml/2006/main" xmlns:r="http://schemas.openxmlformats.org/officeDocument/2006/relationships" xmlns:p="http://schemas.openxmlformats.org/presentationml/2006/main">
+  <p:cSld>
+    <p:spTree>
+      <p:nvGrpSpPr>
+        <p:cNvPr id="1" name=""/>
+        <p:cNvGrpSpPr/>
+        <p:nvPr/>
+      </p:nvGrpSpPr>
+      <p:grpSpPr>
+        <a:xfrm>
+          <a:off x="0" y="0"/>
+          <a:ext cx="0" cy="0"/>
+          <a:chOff x="0" y="0"/>
+          <a:chExt cx="0" cy="0"/>
+        </a:xfrm>
+      </p:grpSpPr>
+      <p:sp>
+        <p:nvSpPr>
+          <p:cNvPr id="2" name="Title 1">
+            <a:extLst>
+              <a:ext uri="{FF2B5EF4-FFF2-40B4-BE49-F238E27FC236}">
+                <a16:creationId xmlns:a16="http://schemas.microsoft.com/office/drawing/2014/main" id="{5C50BC95-7AC8-5E43-A39D-D8EFB6041EB5}"/>
+              </a:ext>
+            </a:extLst>
+          </p:cNvPr>
+          <p:cNvSpPr>
+            <a:spLocks noGrp="1"/>
+          </p:cNvSpPr>
+          <p:nvPr>
+            <p:ph type="title"/>
+          </p:nvPr>
+        </p:nvSpPr>
+        <p:spPr/>
+        <p:txBody>
+          <a:bodyPr/>
+          <a:lstStyle/>
+          <a:p>
+            <a:r>
+              <a:rPr lang="en-US" dirty="0"/>
+              <a:t>Vagrant snapshot</a:t>
+            </a:r>
+          </a:p>
+        </p:txBody>
+      </p:sp>
+      <p:sp>
+        <p:nvSpPr>
+          <p:cNvPr id="3" name="Content Placeholder 2">
+            <a:extLst>
+              <a:ext uri="{FF2B5EF4-FFF2-40B4-BE49-F238E27FC236}">
+                <a16:creationId xmlns:a16="http://schemas.microsoft.com/office/drawing/2014/main" id="{A9D33A92-46F6-F243-8677-93E478B2D5A9}"/>
+              </a:ext>
+            </a:extLst>
+          </p:cNvPr>
+          <p:cNvSpPr>
+            <a:spLocks noGrp="1"/>
+          </p:cNvSpPr>
+          <p:nvPr>
+            <p:ph idx="1"/>
+          </p:nvPr>
+        </p:nvSpPr>
+        <p:spPr>
+          <a:xfrm>
+            <a:off x="581193" y="2772256"/>
+            <a:ext cx="11029615" cy="3634486"/>
+          </a:xfrm>
+        </p:spPr>
+        <p:txBody>
+          <a:bodyPr>
+            <a:normAutofit fontScale="92500"/>
+          </a:bodyPr>
+          <a:lstStyle/>
+          <a:p>
+            <a:r>
+              <a:rPr lang="en-US" sz="2400" dirty="0"/>
+              <a:t>Now a month goes by. In that time another developer comes along and updates a bunch of packages on the server with, say, a </a:t>
+            </a:r>
+            <a:r>
+              <a:rPr lang="en-US" sz="2400" b="1" dirty="0" err="1">
+                <a:latin typeface="American Typewriter" panose="02090604020004020304" pitchFamily="18" charset="77"/>
+              </a:rPr>
+              <a:t>sudo</a:t>
+            </a:r>
+            <a:r>
+              <a:rPr lang="en-US" sz="2400" b="1" dirty="0">
+                <a:latin typeface="American Typewriter" panose="02090604020004020304" pitchFamily="18" charset="77"/>
+              </a:rPr>
+              <a:t> yum update &amp;&amp; </a:t>
+            </a:r>
+            <a:r>
+              <a:rPr lang="en-US" sz="2400" b="1" dirty="0" err="1">
+                <a:latin typeface="American Typewriter" panose="02090604020004020304" pitchFamily="18" charset="77"/>
+              </a:rPr>
+              <a:t>sudo</a:t>
+            </a:r>
+            <a:r>
+              <a:rPr lang="en-US" sz="2400" b="1" dirty="0">
+                <a:latin typeface="American Typewriter" panose="02090604020004020304" pitchFamily="18" charset="77"/>
+              </a:rPr>
+              <a:t> yum upgrade</a:t>
+            </a:r>
+            <a:r>
+              <a:rPr lang="en-US" sz="2400" dirty="0">
+                <a:latin typeface="American Typewriter" panose="02090604020004020304" pitchFamily="18" charset="77"/>
+              </a:rPr>
+              <a:t> </a:t>
+            </a:r>
+            <a:r>
+              <a:rPr lang="en-US" sz="2400" dirty="0"/>
+              <a:t>and they add in a bunch of packages that breaks some of your dependencies.</a:t>
+            </a:r>
+          </a:p>
+          <a:p>
+            <a:r>
+              <a:rPr lang="en-US" sz="2400" dirty="0"/>
+              <a:t>You are understandably angry….but more importantly you </a:t>
+            </a:r>
+            <a:r>
+              <a:rPr lang="en-US" sz="2400" i="1" dirty="0"/>
+              <a:t>desperately</a:t>
+            </a:r>
+            <a:r>
+              <a:rPr lang="en-US" sz="2400" dirty="0"/>
+              <a:t> want to restore your vagrant machine back to the state it was in when it actually </a:t>
+            </a:r>
+            <a:r>
+              <a:rPr lang="en-US" sz="2400" i="1" dirty="0"/>
+              <a:t>worked</a:t>
+            </a:r>
+            <a:r>
+              <a:rPr lang="en-US" sz="2400" dirty="0"/>
+              <a:t> for you. </a:t>
+            </a:r>
+          </a:p>
+          <a:p>
+            <a:r>
+              <a:rPr lang="en-US" sz="2400" dirty="0"/>
+              <a:t>FORTUNATELY you were intelligent enough to take your </a:t>
+            </a:r>
+            <a:r>
+              <a:rPr lang="en-US" sz="2400" b="1" dirty="0"/>
+              <a:t>snapshot</a:t>
+            </a:r>
+            <a:r>
+              <a:rPr lang="en-US" sz="2400" dirty="0"/>
+              <a:t> when everything worked and now all you want to do it </a:t>
+            </a:r>
+            <a:r>
+              <a:rPr lang="en-US" sz="2400" b="1" dirty="0"/>
+              <a:t>pop</a:t>
+            </a:r>
+            <a:r>
+              <a:rPr lang="en-US" sz="2400" dirty="0"/>
+              <a:t> that image BACK onto the top of your stack</a:t>
+            </a:r>
+          </a:p>
+          <a:p>
+            <a:pPr marL="0" indent="0">
+              <a:buNone/>
+            </a:pPr>
+            <a:endParaRPr lang="en-US" dirty="0"/>
+          </a:p>
+        </p:txBody>
+      </p:sp>
+      <p:pic>
+        <p:nvPicPr>
+          <p:cNvPr id="4" name="Picture 3">
+            <a:extLst>
+              <a:ext uri="{FF2B5EF4-FFF2-40B4-BE49-F238E27FC236}">
+                <a16:creationId xmlns:a16="http://schemas.microsoft.com/office/drawing/2014/main" id="{C21EEC39-D11F-D642-88D6-A6B602B58A1C}"/>
+              </a:ext>
+            </a:extLst>
+          </p:cNvPr>
+          <p:cNvPicPr>
+            <a:picLocks noChangeAspect="1"/>
+          </p:cNvPicPr>
+          <p:nvPr/>
+        </p:nvPicPr>
+        <p:blipFill>
+          <a:blip r:embed="rId2"/>
+          <a:stretch>
+            <a:fillRect/>
+          </a:stretch>
+        </p:blipFill>
+        <p:spPr>
+          <a:xfrm>
+            <a:off x="4358727" y="702156"/>
+            <a:ext cx="3937000" cy="2070100"/>
+          </a:xfrm>
+          <a:prstGeom prst="rect">
+            <a:avLst/>
+          </a:prstGeom>
+        </p:spPr>
+      </p:pic>
+    </p:spTree>
+    <p:extLst>
+      <p:ext uri="{BB962C8B-B14F-4D97-AF65-F5344CB8AC3E}">
+        <p14:creationId xmlns:p14="http://schemas.microsoft.com/office/powerpoint/2010/main" val="1499848410"/>
+      </p:ext>
+    </p:extLst>
+  </p:cSld>
+  <p:clrMapOvr>
+    <a:masterClrMapping/>
+  </p:clrMapOvr>
+</p:sld>
+</file>
+
+<file path=ppt/slides/slide9.xml><?xml version="1.0" encoding="utf-8"?>
+<p:sld xmlns:a="http://schemas.openxmlformats.org/drawingml/2006/main" xmlns:r="http://schemas.openxmlformats.org/officeDocument/2006/relationships" xmlns:p="http://schemas.openxmlformats.org/presentationml/2006/main">
+  <p:cSld>
+    <p:spTree>
+      <p:nvGrpSpPr>
+        <p:cNvPr id="1" name=""/>
+        <p:cNvGrpSpPr/>
+        <p:nvPr/>
+      </p:nvGrpSpPr>
+      <p:grpSpPr>
+        <a:xfrm>
+          <a:off x="0" y="0"/>
+          <a:ext cx="0" cy="0"/>
+          <a:chOff x="0" y="0"/>
+          <a:chExt cx="0" cy="0"/>
+        </a:xfrm>
+      </p:grpSpPr>
+      <p:sp>
+        <p:nvSpPr>
+          <p:cNvPr id="2" name="Title 1">
+            <a:extLst>
+              <a:ext uri="{FF2B5EF4-FFF2-40B4-BE49-F238E27FC236}">
+                <a16:creationId xmlns:a16="http://schemas.microsoft.com/office/drawing/2014/main" id="{7F7FD62A-1CFF-6945-9185-1E92C41149DC}"/>
+              </a:ext>
+            </a:extLst>
+          </p:cNvPr>
+          <p:cNvSpPr>
+            <a:spLocks noGrp="1"/>
+          </p:cNvSpPr>
+          <p:nvPr>
+            <p:ph type="title"/>
+          </p:nvPr>
+        </p:nvSpPr>
+        <p:spPr/>
+        <p:txBody>
+          <a:bodyPr/>
+          <a:lstStyle/>
+          <a:p>
+            <a:r>
+              <a:rPr lang="en-US" dirty="0"/>
+              <a:t>Vagrant snapshots</a:t>
+            </a:r>
+          </a:p>
+        </p:txBody>
+      </p:sp>
+      <p:sp>
+        <p:nvSpPr>
+          <p:cNvPr id="3" name="Content Placeholder 2">
+            <a:extLst>
+              <a:ext uri="{FF2B5EF4-FFF2-40B4-BE49-F238E27FC236}">
+                <a16:creationId xmlns:a16="http://schemas.microsoft.com/office/drawing/2014/main" id="{680B348B-CBF4-784F-B6A2-5AEAF9983D49}"/>
+              </a:ext>
+            </a:extLst>
+          </p:cNvPr>
+          <p:cNvSpPr>
+            <a:spLocks noGrp="1"/>
+          </p:cNvSpPr>
+          <p:nvPr>
+            <p:ph idx="1"/>
+          </p:nvPr>
+        </p:nvSpPr>
+        <p:spPr/>
+        <p:txBody>
+          <a:bodyPr/>
+          <a:lstStyle/>
+          <a:p>
+            <a:r>
+              <a:rPr lang="en-US" sz="2800" b="1" dirty="0">
+                <a:latin typeface="American Typewriter" panose="02090604020004020304" pitchFamily="18" charset="77"/>
+              </a:rPr>
+              <a:t>vagrant snapshot pop</a:t>
+            </a:r>
+            <a:r>
+              <a:rPr lang="en-US" sz="2800" dirty="0">
+                <a:latin typeface="American Typewriter" panose="02090604020004020304" pitchFamily="18" charset="77"/>
+              </a:rPr>
+              <a:t> </a:t>
+            </a:r>
+            <a:r>
+              <a:rPr lang="en-US" sz="2800" dirty="0"/>
+              <a:t>will essentially “pop” the top image BACK onto your vagrant machine and restore it to a state it was when it was there.</a:t>
+            </a:r>
+          </a:p>
+          <a:p>
+            <a:r>
+              <a:rPr lang="en-US" sz="2800" b="1" dirty="0">
+                <a:latin typeface="American Typewriter" panose="02090604020004020304" pitchFamily="18" charset="77"/>
+              </a:rPr>
+              <a:t>vagrant snapshot restore </a:t>
+            </a:r>
+            <a:r>
+              <a:rPr lang="en-US" sz="2800" dirty="0"/>
+              <a:t>can be used to restore a named image from the stack (not just the ”top” one)</a:t>
+            </a:r>
+          </a:p>
+          <a:p>
+            <a:r>
+              <a:rPr lang="en-US" sz="2800" b="1" dirty="0">
+                <a:latin typeface="American Typewriter" panose="02090604020004020304" pitchFamily="18" charset="77"/>
+              </a:rPr>
+              <a:t>vagrant snapshot list</a:t>
+            </a:r>
+            <a:r>
+              <a:rPr lang="en-US" sz="2800" dirty="0">
+                <a:latin typeface="American Typewriter" panose="02090604020004020304" pitchFamily="18" charset="77"/>
+              </a:rPr>
+              <a:t> </a:t>
+            </a:r>
+            <a:r>
+              <a:rPr lang="en-US" sz="2800" dirty="0"/>
+              <a:t>does pretty much want you think; lists the snapshots on the stack</a:t>
+            </a:r>
+            <a:endParaRPr lang="en-US" b="1" dirty="0"/>
+          </a:p>
+        </p:txBody>
+      </p:sp>
+      <p:pic>
+        <p:nvPicPr>
+          <p:cNvPr id="5" name="Picture 4">
+            <a:extLst>
+              <a:ext uri="{FF2B5EF4-FFF2-40B4-BE49-F238E27FC236}">
+                <a16:creationId xmlns:a16="http://schemas.microsoft.com/office/drawing/2014/main" id="{FC1F20F7-7318-214E-A971-1E9854678B8C}"/>
+              </a:ext>
+            </a:extLst>
+          </p:cNvPr>
+          <p:cNvPicPr>
+            <a:picLocks noChangeAspect="1"/>
+          </p:cNvPicPr>
+          <p:nvPr/>
+        </p:nvPicPr>
+        <p:blipFill>
+          <a:blip r:embed="rId2"/>
+          <a:stretch>
+            <a:fillRect/>
+          </a:stretch>
+        </p:blipFill>
+        <p:spPr>
+          <a:xfrm>
+            <a:off x="4747610" y="702156"/>
+            <a:ext cx="3271783" cy="1709770"/>
+          </a:xfrm>
+          <a:prstGeom prst="rect">
+            <a:avLst/>
+          </a:prstGeom>
+        </p:spPr>
+      </p:pic>
+    </p:spTree>
+    <p:extLst>
+      <p:ext uri="{BB962C8B-B14F-4D97-AF65-F5344CB8AC3E}">
+        <p14:creationId xmlns:p14="http://schemas.microsoft.com/office/powerpoint/2010/main" val="2156720159"/>
       </p:ext>
     </p:extLst>
   </p:cSld>
